--- a/project/image.pptx
+++ b/project/image.pptx
@@ -6,7 +6,13 @@
   </p:sldMasterIdLst>
   <p:sldIdLst>
     <p:sldId id="256" r:id="rId2"/>
-    <p:sldId id="257" r:id="rId3"/>
+    <p:sldId id="259" r:id="rId3"/>
+    <p:sldId id="262" r:id="rId4"/>
+    <p:sldId id="260" r:id="rId5"/>
+    <p:sldId id="261" r:id="rId6"/>
+    <p:sldId id="258" r:id="rId7"/>
+    <p:sldId id="257" r:id="rId8"/>
+    <p:sldId id="263" r:id="rId9"/>
   </p:sldIdLst>
   <p:sldSz cx="9144000" cy="6858000" type="screen4x3"/>
   <p:notesSz cx="6858000" cy="9144000"/>
@@ -105,6 +111,11 @@
       </a:defRPr>
     </a:lvl9pPr>
   </p:defaultTextStyle>
+  <p:extLst>
+    <p:ext uri="{EFAFB233-063F-42B5-8137-9DF3F51BA10A}">
+      <p15:sldGuideLst xmlns:p15="http://schemas.microsoft.com/office/powerpoint/2012/main"/>
+    </p:ext>
+  </p:extLst>
 </p:presentation>
 </file>
 
@@ -3779,6 +3790,722 @@
       </p:grpSpPr>
       <p:sp>
         <p:nvSpPr>
+          <p:cNvPr id="2" name="제목 1">
+            <a:extLst>
+              <a:ext uri="{FF2B5EF4-FFF2-40B4-BE49-F238E27FC236}">
+                <a16:creationId xmlns:a16="http://schemas.microsoft.com/office/drawing/2014/main" id="{3203902F-CD97-4AED-86D8-DD5BD52A1FEA}"/>
+              </a:ext>
+            </a:extLst>
+          </p:cNvPr>
+          <p:cNvSpPr>
+            <a:spLocks noGrp="1"/>
+          </p:cNvSpPr>
+          <p:nvPr>
+            <p:ph type="title"/>
+          </p:nvPr>
+        </p:nvSpPr>
+        <p:spPr>
+          <a:solidFill>
+            <a:srgbClr val="9932CC"/>
+          </a:solidFill>
+        </p:spPr>
+        <p:txBody>
+          <a:bodyPr/>
+          <a:lstStyle/>
+          <a:p>
+            <a:r>
+              <a:rPr lang="en-US" altLang="ko-KR" dirty="0"/>
+              <a:t>state</a:t>
+            </a:r>
+            <a:endParaRPr lang="ko-KR" altLang="en-US" dirty="0"/>
+          </a:p>
+        </p:txBody>
+      </p:sp>
+      <p:pic>
+        <p:nvPicPr>
+          <p:cNvPr id="20" name="내용 개체 틀 19">
+            <a:extLst>
+              <a:ext uri="{FF2B5EF4-FFF2-40B4-BE49-F238E27FC236}">
+                <a16:creationId xmlns:a16="http://schemas.microsoft.com/office/drawing/2014/main" id="{DFD9FED3-453B-4005-82D3-C5A14A35E892}"/>
+              </a:ext>
+            </a:extLst>
+          </p:cNvPr>
+          <p:cNvPicPr>
+            <a:picLocks noGrp="1" noChangeAspect="1"/>
+          </p:cNvPicPr>
+          <p:nvPr>
+            <p:ph idx="1"/>
+          </p:nvPr>
+        </p:nvPicPr>
+        <p:blipFill>
+          <a:blip r:embed="rId2">
+            <a:extLst>
+              <a:ext uri="{28A0092B-C50C-407E-A947-70E740481C1C}">
+                <a14:useLocalDpi xmlns:a14="http://schemas.microsoft.com/office/drawing/2010/main" val="0"/>
+              </a:ext>
+            </a:extLst>
+          </a:blip>
+          <a:stretch>
+            <a:fillRect/>
+          </a:stretch>
+        </p:blipFill>
+        <p:spPr>
+          <a:xfrm>
+            <a:off x="2168647" y="1717607"/>
+            <a:ext cx="4806706" cy="4187961"/>
+          </a:xfrm>
+        </p:spPr>
+      </p:pic>
+    </p:spTree>
+    <p:extLst>
+      <p:ext uri="{BB962C8B-B14F-4D97-AF65-F5344CB8AC3E}">
+        <p14:creationId xmlns:p14="http://schemas.microsoft.com/office/powerpoint/2010/main" val="640044993"/>
+      </p:ext>
+    </p:extLst>
+  </p:cSld>
+  <p:clrMapOvr>
+    <a:masterClrMapping/>
+  </p:clrMapOvr>
+</p:sld>
+</file>
+
+<file path=ppt/slides/slide3.xml><?xml version="1.0" encoding="utf-8"?>
+<p:sld xmlns:a="http://schemas.openxmlformats.org/drawingml/2006/main" xmlns:r="http://schemas.openxmlformats.org/officeDocument/2006/relationships" xmlns:p="http://schemas.openxmlformats.org/presentationml/2006/main">
+  <p:cSld>
+    <p:spTree>
+      <p:nvGrpSpPr>
+        <p:cNvPr id="1" name=""/>
+        <p:cNvGrpSpPr/>
+        <p:nvPr/>
+      </p:nvGrpSpPr>
+      <p:grpSpPr>
+        <a:xfrm>
+          <a:off x="0" y="0"/>
+          <a:ext cx="0" cy="0"/>
+          <a:chOff x="0" y="0"/>
+          <a:chExt cx="0" cy="0"/>
+        </a:xfrm>
+      </p:grpSpPr>
+      <p:sp>
+        <p:nvSpPr>
+          <p:cNvPr id="2" name="제목 1">
+            <a:extLst>
+              <a:ext uri="{FF2B5EF4-FFF2-40B4-BE49-F238E27FC236}">
+                <a16:creationId xmlns:a16="http://schemas.microsoft.com/office/drawing/2014/main" id="{88835CC7-1CAC-4030-ACB9-A667CD13C760}"/>
+              </a:ext>
+            </a:extLst>
+          </p:cNvPr>
+          <p:cNvSpPr>
+            <a:spLocks noGrp="1"/>
+          </p:cNvSpPr>
+          <p:nvPr>
+            <p:ph type="title"/>
+          </p:nvPr>
+        </p:nvSpPr>
+        <p:spPr/>
+        <p:txBody>
+          <a:bodyPr/>
+          <a:lstStyle/>
+          <a:p>
+            <a:r>
+              <a:rPr lang="en-US" altLang="ko-KR" dirty="0"/>
+              <a:t>location</a:t>
+            </a:r>
+            <a:endParaRPr lang="ko-KR" altLang="en-US" dirty="0"/>
+          </a:p>
+        </p:txBody>
+      </p:sp>
+      <p:pic>
+        <p:nvPicPr>
+          <p:cNvPr id="8" name="내용 개체 틀 7">
+            <a:extLst>
+              <a:ext uri="{FF2B5EF4-FFF2-40B4-BE49-F238E27FC236}">
+                <a16:creationId xmlns:a16="http://schemas.microsoft.com/office/drawing/2014/main" id="{22B0E678-7E7C-4736-905F-3E82C2022C44}"/>
+              </a:ext>
+            </a:extLst>
+          </p:cNvPr>
+          <p:cNvPicPr>
+            <a:picLocks noGrp="1" noChangeAspect="1"/>
+          </p:cNvPicPr>
+          <p:nvPr>
+            <p:ph idx="1"/>
+          </p:nvPr>
+        </p:nvPicPr>
+        <p:blipFill>
+          <a:blip r:embed="rId2">
+            <a:extLst>
+              <a:ext uri="{28A0092B-C50C-407E-A947-70E740481C1C}">
+                <a14:useLocalDpi xmlns:a14="http://schemas.microsoft.com/office/drawing/2010/main" val="0"/>
+              </a:ext>
+            </a:extLst>
+          </a:blip>
+          <a:stretch>
+            <a:fillRect/>
+          </a:stretch>
+        </p:blipFill>
+        <p:spPr>
+          <a:xfrm>
+            <a:off x="2168647" y="2124516"/>
+            <a:ext cx="4806706" cy="3374143"/>
+          </a:xfrm>
+        </p:spPr>
+      </p:pic>
+    </p:spTree>
+    <p:extLst>
+      <p:ext uri="{BB962C8B-B14F-4D97-AF65-F5344CB8AC3E}">
+        <p14:creationId xmlns:p14="http://schemas.microsoft.com/office/powerpoint/2010/main" val="3631415361"/>
+      </p:ext>
+    </p:extLst>
+  </p:cSld>
+  <p:clrMapOvr>
+    <a:masterClrMapping/>
+  </p:clrMapOvr>
+</p:sld>
+</file>
+
+<file path=ppt/slides/slide4.xml><?xml version="1.0" encoding="utf-8"?>
+<p:sld xmlns:a="http://schemas.openxmlformats.org/drawingml/2006/main" xmlns:r="http://schemas.openxmlformats.org/officeDocument/2006/relationships" xmlns:p="http://schemas.openxmlformats.org/presentationml/2006/main">
+  <p:cSld>
+    <p:spTree>
+      <p:nvGrpSpPr>
+        <p:cNvPr id="1" name=""/>
+        <p:cNvGrpSpPr/>
+        <p:nvPr/>
+      </p:nvGrpSpPr>
+      <p:grpSpPr>
+        <a:xfrm>
+          <a:off x="0" y="0"/>
+          <a:ext cx="0" cy="0"/>
+          <a:chOff x="0" y="0"/>
+          <a:chExt cx="0" cy="0"/>
+        </a:xfrm>
+      </p:grpSpPr>
+      <p:sp>
+        <p:nvSpPr>
+          <p:cNvPr id="2" name="제목 1">
+            <a:extLst>
+              <a:ext uri="{FF2B5EF4-FFF2-40B4-BE49-F238E27FC236}">
+                <a16:creationId xmlns:a16="http://schemas.microsoft.com/office/drawing/2014/main" id="{D4CF26A5-9E54-4826-82B0-DC5EA9403BE9}"/>
+              </a:ext>
+            </a:extLst>
+          </p:cNvPr>
+          <p:cNvSpPr>
+            <a:spLocks noGrp="1"/>
+          </p:cNvSpPr>
+          <p:nvPr>
+            <p:ph type="title"/>
+          </p:nvPr>
+        </p:nvSpPr>
+        <p:spPr/>
+        <p:txBody>
+          <a:bodyPr/>
+          <a:lstStyle/>
+          <a:p>
+            <a:r>
+              <a:rPr lang="en-US" altLang="ko-KR" dirty="0"/>
+              <a:t>month</a:t>
+            </a:r>
+            <a:endParaRPr lang="ko-KR" altLang="en-US" dirty="0"/>
+          </a:p>
+        </p:txBody>
+      </p:sp>
+      <p:grpSp>
+        <p:nvGrpSpPr>
+          <p:cNvPr id="16" name="그룹 15">
+            <a:extLst>
+              <a:ext uri="{FF2B5EF4-FFF2-40B4-BE49-F238E27FC236}">
+                <a16:creationId xmlns:a16="http://schemas.microsoft.com/office/drawing/2014/main" id="{73121C78-983C-4CD7-AE4A-291BBD811AF6}"/>
+              </a:ext>
+            </a:extLst>
+          </p:cNvPr>
+          <p:cNvGrpSpPr/>
+          <p:nvPr/>
+        </p:nvGrpSpPr>
+        <p:grpSpPr>
+          <a:xfrm>
+            <a:off x="-195082" y="1740404"/>
+            <a:ext cx="9534164" cy="3377191"/>
+            <a:chOff x="-528579" y="1740404"/>
+            <a:chExt cx="9534164" cy="3377191"/>
+          </a:xfrm>
+        </p:grpSpPr>
+        <p:pic>
+          <p:nvPicPr>
+            <p:cNvPr id="13" name="그림 12">
+              <a:extLst>
+                <a:ext uri="{FF2B5EF4-FFF2-40B4-BE49-F238E27FC236}">
+                  <a16:creationId xmlns:a16="http://schemas.microsoft.com/office/drawing/2014/main" id="{883509A0-3944-462D-8115-2C50C225B3D4}"/>
+                </a:ext>
+              </a:extLst>
+            </p:cNvPr>
+            <p:cNvPicPr>
+              <a:picLocks noChangeAspect="1"/>
+            </p:cNvPicPr>
+            <p:nvPr/>
+          </p:nvPicPr>
+          <p:blipFill>
+            <a:blip r:embed="rId2">
+              <a:extLst>
+                <a:ext uri="{28A0092B-C50C-407E-A947-70E740481C1C}">
+                  <a14:useLocalDpi xmlns:a14="http://schemas.microsoft.com/office/drawing/2010/main" val="0"/>
+                </a:ext>
+              </a:extLst>
+            </a:blip>
+            <a:stretch>
+              <a:fillRect/>
+            </a:stretch>
+          </p:blipFill>
+          <p:spPr>
+            <a:xfrm>
+              <a:off x="-528579" y="1741928"/>
+              <a:ext cx="4727458" cy="3374143"/>
+            </a:xfrm>
+            <a:prstGeom prst="rect">
+              <a:avLst/>
+            </a:prstGeom>
+          </p:spPr>
+        </p:pic>
+        <p:pic>
+          <p:nvPicPr>
+            <p:cNvPr id="15" name="그림 14">
+              <a:extLst>
+                <a:ext uri="{FF2B5EF4-FFF2-40B4-BE49-F238E27FC236}">
+                  <a16:creationId xmlns:a16="http://schemas.microsoft.com/office/drawing/2014/main" id="{E968F5EF-2199-4DAF-A633-C52D30B2AE00}"/>
+                </a:ext>
+              </a:extLst>
+            </p:cNvPr>
+            <p:cNvPicPr>
+              <a:picLocks noChangeAspect="1"/>
+            </p:cNvPicPr>
+            <p:nvPr/>
+          </p:nvPicPr>
+          <p:blipFill>
+            <a:blip r:embed="rId3">
+              <a:extLst>
+                <a:ext uri="{28A0092B-C50C-407E-A947-70E740481C1C}">
+                  <a14:useLocalDpi xmlns:a14="http://schemas.microsoft.com/office/drawing/2010/main" val="0"/>
+                </a:ext>
+              </a:extLst>
+            </a:blip>
+            <a:stretch>
+              <a:fillRect/>
+            </a:stretch>
+          </p:blipFill>
+          <p:spPr>
+            <a:xfrm>
+              <a:off x="4198879" y="1740404"/>
+              <a:ext cx="4806706" cy="3377191"/>
+            </a:xfrm>
+            <a:prstGeom prst="rect">
+              <a:avLst/>
+            </a:prstGeom>
+          </p:spPr>
+        </p:pic>
+      </p:grpSp>
+    </p:spTree>
+    <p:extLst>
+      <p:ext uri="{BB962C8B-B14F-4D97-AF65-F5344CB8AC3E}">
+        <p14:creationId xmlns:p14="http://schemas.microsoft.com/office/powerpoint/2010/main" val="3589488921"/>
+      </p:ext>
+    </p:extLst>
+  </p:cSld>
+  <p:clrMapOvr>
+    <a:masterClrMapping/>
+  </p:clrMapOvr>
+</p:sld>
+</file>
+
+<file path=ppt/slides/slide5.xml><?xml version="1.0" encoding="utf-8"?>
+<p:sld xmlns:a="http://schemas.openxmlformats.org/drawingml/2006/main" xmlns:r="http://schemas.openxmlformats.org/officeDocument/2006/relationships" xmlns:p="http://schemas.openxmlformats.org/presentationml/2006/main">
+  <p:cSld>
+    <p:spTree>
+      <p:nvGrpSpPr>
+        <p:cNvPr id="1" name=""/>
+        <p:cNvGrpSpPr/>
+        <p:nvPr/>
+      </p:nvGrpSpPr>
+      <p:grpSpPr>
+        <a:xfrm>
+          <a:off x="0" y="0"/>
+          <a:ext cx="0" cy="0"/>
+          <a:chOff x="0" y="0"/>
+          <a:chExt cx="0" cy="0"/>
+        </a:xfrm>
+      </p:grpSpPr>
+      <p:sp>
+        <p:nvSpPr>
+          <p:cNvPr id="2" name="제목 1">
+            <a:extLst>
+              <a:ext uri="{FF2B5EF4-FFF2-40B4-BE49-F238E27FC236}">
+                <a16:creationId xmlns:a16="http://schemas.microsoft.com/office/drawing/2014/main" id="{2323B2A8-5491-471A-8DC8-FE9EFDACAE73}"/>
+              </a:ext>
+            </a:extLst>
+          </p:cNvPr>
+          <p:cNvSpPr>
+            <a:spLocks noGrp="1"/>
+          </p:cNvSpPr>
+          <p:nvPr>
+            <p:ph type="title"/>
+          </p:nvPr>
+        </p:nvSpPr>
+        <p:spPr/>
+        <p:txBody>
+          <a:bodyPr/>
+          <a:lstStyle/>
+          <a:p>
+            <a:r>
+              <a:rPr lang="en-US" altLang="ko-KR" dirty="0"/>
+              <a:t>hour</a:t>
+            </a:r>
+            <a:endParaRPr lang="ko-KR" altLang="en-US" dirty="0"/>
+          </a:p>
+        </p:txBody>
+      </p:sp>
+      <p:grpSp>
+        <p:nvGrpSpPr>
+          <p:cNvPr id="27" name="그룹 26">
+            <a:extLst>
+              <a:ext uri="{FF2B5EF4-FFF2-40B4-BE49-F238E27FC236}">
+                <a16:creationId xmlns:a16="http://schemas.microsoft.com/office/drawing/2014/main" id="{E4949A8F-6C5D-4136-99F0-BF9130F847AA}"/>
+              </a:ext>
+            </a:extLst>
+          </p:cNvPr>
+          <p:cNvGrpSpPr/>
+          <p:nvPr/>
+        </p:nvGrpSpPr>
+        <p:grpSpPr>
+          <a:xfrm>
+            <a:off x="-233182" y="1740404"/>
+            <a:ext cx="9610364" cy="3377191"/>
+            <a:chOff x="-2046229" y="1740404"/>
+            <a:chExt cx="9610364" cy="3377191"/>
+          </a:xfrm>
+        </p:grpSpPr>
+        <p:pic>
+          <p:nvPicPr>
+            <p:cNvPr id="24" name="그림 23">
+              <a:extLst>
+                <a:ext uri="{FF2B5EF4-FFF2-40B4-BE49-F238E27FC236}">
+                  <a16:creationId xmlns:a16="http://schemas.microsoft.com/office/drawing/2014/main" id="{CE6052EB-071B-4A61-8AF4-ABD2CE7E6141}"/>
+                </a:ext>
+              </a:extLst>
+            </p:cNvPr>
+            <p:cNvPicPr>
+              <a:picLocks noChangeAspect="1"/>
+            </p:cNvPicPr>
+            <p:nvPr/>
+          </p:nvPicPr>
+          <p:blipFill>
+            <a:blip r:embed="rId2">
+              <a:extLst>
+                <a:ext uri="{28A0092B-C50C-407E-A947-70E740481C1C}">
+                  <a14:useLocalDpi xmlns:a14="http://schemas.microsoft.com/office/drawing/2010/main" val="0"/>
+                </a:ext>
+              </a:extLst>
+            </a:blip>
+            <a:stretch>
+              <a:fillRect/>
+            </a:stretch>
+          </p:blipFill>
+          <p:spPr>
+            <a:xfrm>
+              <a:off x="2757429" y="1740404"/>
+              <a:ext cx="4806706" cy="3377191"/>
+            </a:xfrm>
+            <a:prstGeom prst="rect">
+              <a:avLst/>
+            </a:prstGeom>
+          </p:spPr>
+        </p:pic>
+        <p:pic>
+          <p:nvPicPr>
+            <p:cNvPr id="26" name="그림 25">
+              <a:extLst>
+                <a:ext uri="{FF2B5EF4-FFF2-40B4-BE49-F238E27FC236}">
+                  <a16:creationId xmlns:a16="http://schemas.microsoft.com/office/drawing/2014/main" id="{5688EB31-0B1D-4F13-BA6E-C5FC9CE445CF}"/>
+                </a:ext>
+              </a:extLst>
+            </p:cNvPr>
+            <p:cNvPicPr>
+              <a:picLocks noChangeAspect="1"/>
+            </p:cNvPicPr>
+            <p:nvPr/>
+          </p:nvPicPr>
+          <p:blipFill>
+            <a:blip r:embed="rId3">
+              <a:extLst>
+                <a:ext uri="{28A0092B-C50C-407E-A947-70E740481C1C}">
+                  <a14:useLocalDpi xmlns:a14="http://schemas.microsoft.com/office/drawing/2010/main" val="0"/>
+                </a:ext>
+              </a:extLst>
+            </a:blip>
+            <a:stretch>
+              <a:fillRect/>
+            </a:stretch>
+          </p:blipFill>
+          <p:spPr>
+            <a:xfrm>
+              <a:off x="-2046229" y="1741928"/>
+              <a:ext cx="4803658" cy="3374143"/>
+            </a:xfrm>
+            <a:prstGeom prst="rect">
+              <a:avLst/>
+            </a:prstGeom>
+          </p:spPr>
+        </p:pic>
+      </p:grpSp>
+    </p:spTree>
+    <p:extLst>
+      <p:ext uri="{BB962C8B-B14F-4D97-AF65-F5344CB8AC3E}">
+        <p14:creationId xmlns:p14="http://schemas.microsoft.com/office/powerpoint/2010/main" val="382111904"/>
+      </p:ext>
+    </p:extLst>
+  </p:cSld>
+  <p:clrMapOvr>
+    <a:masterClrMapping/>
+  </p:clrMapOvr>
+</p:sld>
+</file>
+
+<file path=ppt/slides/slide6.xml><?xml version="1.0" encoding="utf-8"?>
+<p:sld xmlns:a="http://schemas.openxmlformats.org/drawingml/2006/main" xmlns:r="http://schemas.openxmlformats.org/officeDocument/2006/relationships" xmlns:p="http://schemas.openxmlformats.org/presentationml/2006/main">
+  <p:cSld>
+    <p:spTree>
+      <p:nvGrpSpPr>
+        <p:cNvPr id="1" name=""/>
+        <p:cNvGrpSpPr/>
+        <p:nvPr/>
+      </p:nvGrpSpPr>
+      <p:grpSpPr>
+        <a:xfrm>
+          <a:off x="0" y="0"/>
+          <a:ext cx="0" cy="0"/>
+          <a:chOff x="0" y="0"/>
+          <a:chExt cx="0" cy="0"/>
+        </a:xfrm>
+      </p:grpSpPr>
+      <p:sp>
+        <p:nvSpPr>
+          <p:cNvPr id="2" name="제목 1">
+            <a:extLst>
+              <a:ext uri="{FF2B5EF4-FFF2-40B4-BE49-F238E27FC236}">
+                <a16:creationId xmlns:a16="http://schemas.microsoft.com/office/drawing/2014/main" id="{622E2612-6ED3-41F7-9A0A-140E2C939A86}"/>
+              </a:ext>
+            </a:extLst>
+          </p:cNvPr>
+          <p:cNvSpPr>
+            <a:spLocks noGrp="1"/>
+          </p:cNvSpPr>
+          <p:nvPr>
+            <p:ph type="title"/>
+          </p:nvPr>
+        </p:nvSpPr>
+        <p:spPr/>
+        <p:txBody>
+          <a:bodyPr/>
+          <a:lstStyle/>
+          <a:p>
+            <a:endParaRPr lang="ko-KR" altLang="en-US"/>
+          </a:p>
+        </p:txBody>
+      </p:sp>
+      <p:grpSp>
+        <p:nvGrpSpPr>
+          <p:cNvPr id="11" name="그룹 10">
+            <a:extLst>
+              <a:ext uri="{FF2B5EF4-FFF2-40B4-BE49-F238E27FC236}">
+                <a16:creationId xmlns:a16="http://schemas.microsoft.com/office/drawing/2014/main" id="{2F83B097-006F-4B5F-9020-D8755B69BEAA}"/>
+              </a:ext>
+            </a:extLst>
+          </p:cNvPr>
+          <p:cNvGrpSpPr/>
+          <p:nvPr/>
+        </p:nvGrpSpPr>
+        <p:grpSpPr>
+          <a:xfrm>
+            <a:off x="-373400" y="944550"/>
+            <a:ext cx="9517400" cy="6748286"/>
+            <a:chOff x="2247895" y="5037578"/>
+            <a:chExt cx="9517400" cy="6748286"/>
+          </a:xfrm>
+        </p:grpSpPr>
+        <p:pic>
+          <p:nvPicPr>
+            <p:cNvPr id="4" name="그림 3">
+              <a:extLst>
+                <a:ext uri="{FF2B5EF4-FFF2-40B4-BE49-F238E27FC236}">
+                  <a16:creationId xmlns:a16="http://schemas.microsoft.com/office/drawing/2014/main" id="{CE1F3B39-48AA-4066-BA41-4C7352F8DA1E}"/>
+                </a:ext>
+              </a:extLst>
+            </p:cNvPr>
+            <p:cNvPicPr>
+              <a:picLocks noChangeAspect="1"/>
+            </p:cNvPicPr>
+            <p:nvPr/>
+          </p:nvPicPr>
+          <p:blipFill>
+            <a:blip r:embed="rId2">
+              <a:extLst>
+                <a:ext uri="{28A0092B-C50C-407E-A947-70E740481C1C}">
+                  <a14:useLocalDpi xmlns:a14="http://schemas.microsoft.com/office/drawing/2010/main" val="0"/>
+                </a:ext>
+              </a:extLst>
+            </a:blip>
+            <a:stretch>
+              <a:fillRect/>
+            </a:stretch>
+          </p:blipFill>
+          <p:spPr>
+            <a:xfrm>
+              <a:off x="6998213" y="8411721"/>
+              <a:ext cx="4767082" cy="3374143"/>
+            </a:xfrm>
+            <a:prstGeom prst="rect">
+              <a:avLst/>
+            </a:prstGeom>
+          </p:spPr>
+        </p:pic>
+        <p:pic>
+          <p:nvPicPr>
+            <p:cNvPr id="6" name="그림 5">
+              <a:extLst>
+                <a:ext uri="{FF2B5EF4-FFF2-40B4-BE49-F238E27FC236}">
+                  <a16:creationId xmlns:a16="http://schemas.microsoft.com/office/drawing/2014/main" id="{77CFA860-C13E-466A-9AA7-3EFBC53AC3A2}"/>
+                </a:ext>
+              </a:extLst>
+            </p:cNvPr>
+            <p:cNvPicPr>
+              <a:picLocks noChangeAspect="1"/>
+            </p:cNvPicPr>
+            <p:nvPr/>
+          </p:nvPicPr>
+          <p:blipFill>
+            <a:blip r:embed="rId3">
+              <a:extLst>
+                <a:ext uri="{28A0092B-C50C-407E-A947-70E740481C1C}">
+                  <a14:useLocalDpi xmlns:a14="http://schemas.microsoft.com/office/drawing/2010/main" val="0"/>
+                </a:ext>
+              </a:extLst>
+            </a:blip>
+            <a:stretch>
+              <a:fillRect/>
+            </a:stretch>
+          </p:blipFill>
+          <p:spPr>
+            <a:xfrm>
+              <a:off x="2310379" y="5037578"/>
+              <a:ext cx="4727458" cy="3374143"/>
+            </a:xfrm>
+            <a:prstGeom prst="rect">
+              <a:avLst/>
+            </a:prstGeom>
+          </p:spPr>
+        </p:pic>
+        <p:pic>
+          <p:nvPicPr>
+            <p:cNvPr id="8" name="그림 7">
+              <a:extLst>
+                <a:ext uri="{FF2B5EF4-FFF2-40B4-BE49-F238E27FC236}">
+                  <a16:creationId xmlns:a16="http://schemas.microsoft.com/office/drawing/2014/main" id="{A0735507-1425-49EA-96DF-2D29A58B0118}"/>
+                </a:ext>
+              </a:extLst>
+            </p:cNvPr>
+            <p:cNvPicPr>
+              <a:picLocks noChangeAspect="1"/>
+            </p:cNvPicPr>
+            <p:nvPr/>
+          </p:nvPicPr>
+          <p:blipFill>
+            <a:blip r:embed="rId4">
+              <a:extLst>
+                <a:ext uri="{28A0092B-C50C-407E-A947-70E740481C1C}">
+                  <a14:useLocalDpi xmlns:a14="http://schemas.microsoft.com/office/drawing/2010/main" val="0"/>
+                </a:ext>
+              </a:extLst>
+            </a:blip>
+            <a:stretch>
+              <a:fillRect/>
+            </a:stretch>
+          </p:blipFill>
+          <p:spPr>
+            <a:xfrm>
+              <a:off x="7037837" y="5037578"/>
+              <a:ext cx="4727458" cy="3374143"/>
+            </a:xfrm>
+            <a:prstGeom prst="rect">
+              <a:avLst/>
+            </a:prstGeom>
+          </p:spPr>
+        </p:pic>
+        <p:pic>
+          <p:nvPicPr>
+            <p:cNvPr id="10" name="그림 9">
+              <a:extLst>
+                <a:ext uri="{FF2B5EF4-FFF2-40B4-BE49-F238E27FC236}">
+                  <a16:creationId xmlns:a16="http://schemas.microsoft.com/office/drawing/2014/main" id="{21DCB0DE-BA5E-4005-94C5-4BB31E89F29B}"/>
+                </a:ext>
+              </a:extLst>
+            </p:cNvPr>
+            <p:cNvPicPr>
+              <a:picLocks noChangeAspect="1"/>
+            </p:cNvPicPr>
+            <p:nvPr/>
+          </p:nvPicPr>
+          <p:blipFill>
+            <a:blip r:embed="rId5">
+              <a:extLst>
+                <a:ext uri="{28A0092B-C50C-407E-A947-70E740481C1C}">
+                  <a14:useLocalDpi xmlns:a14="http://schemas.microsoft.com/office/drawing/2010/main" val="0"/>
+                </a:ext>
+              </a:extLst>
+            </a:blip>
+            <a:stretch>
+              <a:fillRect/>
+            </a:stretch>
+          </p:blipFill>
+          <p:spPr>
+            <a:xfrm>
+              <a:off x="2247895" y="8411721"/>
+              <a:ext cx="4852426" cy="3374143"/>
+            </a:xfrm>
+            <a:prstGeom prst="rect">
+              <a:avLst/>
+            </a:prstGeom>
+          </p:spPr>
+        </p:pic>
+      </p:grpSp>
+    </p:spTree>
+    <p:extLst>
+      <p:ext uri="{BB962C8B-B14F-4D97-AF65-F5344CB8AC3E}">
+        <p14:creationId xmlns:p14="http://schemas.microsoft.com/office/powerpoint/2010/main" val="2107041901"/>
+      </p:ext>
+    </p:extLst>
+  </p:cSld>
+  <p:clrMapOvr>
+    <a:masterClrMapping/>
+  </p:clrMapOvr>
+</p:sld>
+</file>
+
+<file path=ppt/slides/slide7.xml><?xml version="1.0" encoding="utf-8"?>
+<p:sld xmlns:a="http://schemas.openxmlformats.org/drawingml/2006/main" xmlns:r="http://schemas.openxmlformats.org/officeDocument/2006/relationships" xmlns:p="http://schemas.openxmlformats.org/presentationml/2006/main">
+  <p:cSld>
+    <p:spTree>
+      <p:nvGrpSpPr>
+        <p:cNvPr id="1" name=""/>
+        <p:cNvGrpSpPr/>
+        <p:nvPr/>
+      </p:nvGrpSpPr>
+      <p:grpSpPr>
+        <a:xfrm>
+          <a:off x="0" y="0"/>
+          <a:ext cx="0" cy="0"/>
+          <a:chOff x="0" y="0"/>
+          <a:chExt cx="0" cy="0"/>
+        </a:xfrm>
+      </p:grpSpPr>
+      <p:sp>
+        <p:nvSpPr>
           <p:cNvPr id="5" name="제목 4">
             <a:extLst>
               <a:ext uri="{FF2B5EF4-FFF2-40B4-BE49-F238E27FC236}">
@@ -8120,6 +8847,2491 @@
     <p:extLst>
       <p:ext uri="{BB962C8B-B14F-4D97-AF65-F5344CB8AC3E}">
         <p14:creationId xmlns:p14="http://schemas.microsoft.com/office/powerpoint/2010/main" val="1353053117"/>
+      </p:ext>
+    </p:extLst>
+  </p:cSld>
+  <p:clrMapOvr>
+    <a:masterClrMapping/>
+  </p:clrMapOvr>
+</p:sld>
+</file>
+
+<file path=ppt/slides/slide8.xml><?xml version="1.0" encoding="utf-8"?>
+<p:sld xmlns:a="http://schemas.openxmlformats.org/drawingml/2006/main" xmlns:r="http://schemas.openxmlformats.org/officeDocument/2006/relationships" xmlns:p="http://schemas.openxmlformats.org/presentationml/2006/main">
+  <p:cSld>
+    <p:spTree>
+      <p:nvGrpSpPr>
+        <p:cNvPr id="1" name=""/>
+        <p:cNvGrpSpPr/>
+        <p:nvPr/>
+      </p:nvGrpSpPr>
+      <p:grpSpPr>
+        <a:xfrm>
+          <a:off x="0" y="0"/>
+          <a:ext cx="0" cy="0"/>
+          <a:chOff x="0" y="0"/>
+          <a:chExt cx="0" cy="0"/>
+        </a:xfrm>
+      </p:grpSpPr>
+      <p:sp>
+        <p:nvSpPr>
+          <p:cNvPr id="2" name="제목 1">
+            <a:extLst>
+              <a:ext uri="{FF2B5EF4-FFF2-40B4-BE49-F238E27FC236}">
+                <a16:creationId xmlns:a16="http://schemas.microsoft.com/office/drawing/2014/main" id="{6C8A24DE-1ED0-42FA-8B5A-44A37104EFC4}"/>
+              </a:ext>
+            </a:extLst>
+          </p:cNvPr>
+          <p:cNvSpPr>
+            <a:spLocks noGrp="1"/>
+          </p:cNvSpPr>
+          <p:nvPr>
+            <p:ph type="title"/>
+          </p:nvPr>
+        </p:nvSpPr>
+        <p:spPr/>
+        <p:txBody>
+          <a:bodyPr/>
+          <a:lstStyle/>
+          <a:p>
+            <a:endParaRPr lang="ko-KR" altLang="en-US" dirty="0"/>
+          </a:p>
+        </p:txBody>
+      </p:sp>
+      <p:grpSp>
+        <p:nvGrpSpPr>
+          <p:cNvPr id="80" name="그룹 79">
+            <a:extLst>
+              <a:ext uri="{FF2B5EF4-FFF2-40B4-BE49-F238E27FC236}">
+                <a16:creationId xmlns:a16="http://schemas.microsoft.com/office/drawing/2014/main" id="{A07CD0F6-1B6F-488F-A249-C7635AF9A914}"/>
+              </a:ext>
+            </a:extLst>
+          </p:cNvPr>
+          <p:cNvGrpSpPr/>
+          <p:nvPr/>
+        </p:nvGrpSpPr>
+        <p:grpSpPr>
+          <a:xfrm>
+            <a:off x="592014" y="1881554"/>
+            <a:ext cx="7959972" cy="4214446"/>
+            <a:chOff x="592014" y="1881554"/>
+            <a:chExt cx="7959972" cy="4214446"/>
+          </a:xfrm>
+        </p:grpSpPr>
+        <p:sp>
+          <p:nvSpPr>
+            <p:cNvPr id="4" name="사각형: 둥근 모서리 3">
+              <a:extLst>
+                <a:ext uri="{FF2B5EF4-FFF2-40B4-BE49-F238E27FC236}">
+                  <a16:creationId xmlns:a16="http://schemas.microsoft.com/office/drawing/2014/main" id="{30F37FFB-CE9B-4417-ADFA-125E13EC21D3}"/>
+                </a:ext>
+              </a:extLst>
+            </p:cNvPr>
+            <p:cNvSpPr/>
+            <p:nvPr/>
+          </p:nvSpPr>
+          <p:spPr>
+            <a:xfrm>
+              <a:off x="592014" y="1881554"/>
+              <a:ext cx="1998785" cy="422031"/>
+            </a:xfrm>
+            <a:prstGeom prst="roundRect">
+              <a:avLst/>
+            </a:prstGeom>
+            <a:solidFill>
+              <a:srgbClr val="9932CC"/>
+            </a:solidFill>
+            <a:ln>
+              <a:solidFill>
+                <a:schemeClr val="bg1">
+                  <a:lumMod val="75000"/>
+                </a:schemeClr>
+              </a:solidFill>
+            </a:ln>
+          </p:spPr>
+          <p:style>
+            <a:lnRef idx="2">
+              <a:schemeClr val="accent1">
+                <a:shade val="50000"/>
+              </a:schemeClr>
+            </a:lnRef>
+            <a:fillRef idx="1">
+              <a:schemeClr val="accent1"/>
+            </a:fillRef>
+            <a:effectRef idx="0">
+              <a:schemeClr val="accent1"/>
+            </a:effectRef>
+            <a:fontRef idx="minor">
+              <a:schemeClr val="lt1"/>
+            </a:fontRef>
+          </p:style>
+          <p:txBody>
+            <a:bodyPr rtlCol="0" anchor="ctr"/>
+            <a:lstStyle/>
+            <a:p>
+              <a:pPr algn="ctr"/>
+              <a:r>
+                <a:rPr lang="en-US" altLang="ko-KR" dirty="0" err="1">
+                  <a:latin typeface="+mj-ea"/>
+                  <a:ea typeface="+mj-ea"/>
+                </a:rPr>
+                <a:t>Resampler</a:t>
+              </a:r>
+              <a:endParaRPr lang="ko-KR" altLang="en-US" dirty="0">
+                <a:latin typeface="+mj-ea"/>
+                <a:ea typeface="+mj-ea"/>
+              </a:endParaRPr>
+            </a:p>
+          </p:txBody>
+        </p:sp>
+        <p:sp>
+          <p:nvSpPr>
+            <p:cNvPr id="5" name="사각형: 둥근 모서리 4">
+              <a:extLst>
+                <a:ext uri="{FF2B5EF4-FFF2-40B4-BE49-F238E27FC236}">
+                  <a16:creationId xmlns:a16="http://schemas.microsoft.com/office/drawing/2014/main" id="{ED8AEDFF-0288-4E87-9A9A-AF13C276816E}"/>
+                </a:ext>
+              </a:extLst>
+            </p:cNvPr>
+            <p:cNvSpPr/>
+            <p:nvPr/>
+          </p:nvSpPr>
+          <p:spPr>
+            <a:xfrm>
+              <a:off x="3572607" y="1881554"/>
+              <a:ext cx="1998785" cy="422031"/>
+            </a:xfrm>
+            <a:prstGeom prst="roundRect">
+              <a:avLst/>
+            </a:prstGeom>
+            <a:solidFill>
+              <a:srgbClr val="9932CC"/>
+            </a:solidFill>
+            <a:ln>
+              <a:solidFill>
+                <a:schemeClr val="bg1">
+                  <a:lumMod val="75000"/>
+                </a:schemeClr>
+              </a:solidFill>
+            </a:ln>
+          </p:spPr>
+          <p:style>
+            <a:lnRef idx="2">
+              <a:schemeClr val="accent1">
+                <a:shade val="50000"/>
+              </a:schemeClr>
+            </a:lnRef>
+            <a:fillRef idx="1">
+              <a:schemeClr val="accent1"/>
+            </a:fillRef>
+            <a:effectRef idx="0">
+              <a:schemeClr val="accent1"/>
+            </a:effectRef>
+            <a:fontRef idx="minor">
+              <a:schemeClr val="lt1"/>
+            </a:fontRef>
+          </p:style>
+          <p:txBody>
+            <a:bodyPr rtlCol="0" anchor="ctr"/>
+            <a:lstStyle/>
+            <a:p>
+              <a:pPr algn="ctr"/>
+              <a:r>
+                <a:rPr lang="en-US" altLang="ko-KR" dirty="0">
+                  <a:latin typeface="+mj-ea"/>
+                  <a:ea typeface="+mj-ea"/>
+                </a:rPr>
+                <a:t>Classifier</a:t>
+              </a:r>
+              <a:endParaRPr lang="ko-KR" altLang="en-US" dirty="0">
+                <a:latin typeface="+mj-ea"/>
+                <a:ea typeface="+mj-ea"/>
+              </a:endParaRPr>
+            </a:p>
+          </p:txBody>
+        </p:sp>
+        <p:sp>
+          <p:nvSpPr>
+            <p:cNvPr id="6" name="사각형: 둥근 모서리 5">
+              <a:extLst>
+                <a:ext uri="{FF2B5EF4-FFF2-40B4-BE49-F238E27FC236}">
+                  <a16:creationId xmlns:a16="http://schemas.microsoft.com/office/drawing/2014/main" id="{52625F49-55A9-439B-B7F0-A54DEC292FE0}"/>
+                </a:ext>
+              </a:extLst>
+            </p:cNvPr>
+            <p:cNvSpPr/>
+            <p:nvPr/>
+          </p:nvSpPr>
+          <p:spPr>
+            <a:xfrm>
+              <a:off x="6553201" y="1881554"/>
+              <a:ext cx="1998785" cy="422031"/>
+            </a:xfrm>
+            <a:prstGeom prst="roundRect">
+              <a:avLst/>
+            </a:prstGeom>
+            <a:solidFill>
+              <a:srgbClr val="9932CC"/>
+            </a:solidFill>
+            <a:ln>
+              <a:solidFill>
+                <a:schemeClr val="bg1">
+                  <a:lumMod val="75000"/>
+                </a:schemeClr>
+              </a:solidFill>
+            </a:ln>
+          </p:spPr>
+          <p:style>
+            <a:lnRef idx="2">
+              <a:schemeClr val="accent1">
+                <a:shade val="50000"/>
+              </a:schemeClr>
+            </a:lnRef>
+            <a:fillRef idx="1">
+              <a:schemeClr val="accent1"/>
+            </a:fillRef>
+            <a:effectRef idx="0">
+              <a:schemeClr val="accent1"/>
+            </a:effectRef>
+            <a:fontRef idx="minor">
+              <a:schemeClr val="lt1"/>
+            </a:fontRef>
+          </p:style>
+          <p:txBody>
+            <a:bodyPr rtlCol="0" anchor="ctr"/>
+            <a:lstStyle/>
+            <a:p>
+              <a:pPr algn="ctr"/>
+              <a:r>
+                <a:rPr lang="en-US" altLang="ko-KR" dirty="0">
+                  <a:latin typeface="+mj-ea"/>
+                  <a:ea typeface="+mj-ea"/>
+                </a:rPr>
+                <a:t>Evaluation</a:t>
+              </a:r>
+              <a:endParaRPr lang="ko-KR" altLang="en-US" dirty="0">
+                <a:latin typeface="+mj-ea"/>
+                <a:ea typeface="+mj-ea"/>
+              </a:endParaRPr>
+            </a:p>
+          </p:txBody>
+        </p:sp>
+        <p:sp>
+          <p:nvSpPr>
+            <p:cNvPr id="7" name="사각형: 둥근 모서리 6">
+              <a:extLst>
+                <a:ext uri="{FF2B5EF4-FFF2-40B4-BE49-F238E27FC236}">
+                  <a16:creationId xmlns:a16="http://schemas.microsoft.com/office/drawing/2014/main" id="{5F6155F4-0C86-43FD-9DC4-E744BC247DF7}"/>
+                </a:ext>
+              </a:extLst>
+            </p:cNvPr>
+            <p:cNvSpPr/>
+            <p:nvPr/>
+          </p:nvSpPr>
+          <p:spPr>
+            <a:xfrm>
+              <a:off x="592014" y="2397370"/>
+              <a:ext cx="1998785" cy="3698630"/>
+            </a:xfrm>
+            <a:prstGeom prst="roundRect">
+              <a:avLst>
+                <a:gd name="adj" fmla="val 4777"/>
+              </a:avLst>
+            </a:prstGeom>
+            <a:solidFill>
+              <a:schemeClr val="bg1"/>
+            </a:solidFill>
+            <a:ln>
+              <a:solidFill>
+                <a:schemeClr val="bg1">
+                  <a:lumMod val="75000"/>
+                </a:schemeClr>
+              </a:solidFill>
+            </a:ln>
+          </p:spPr>
+          <p:style>
+            <a:lnRef idx="2">
+              <a:schemeClr val="accent1">
+                <a:shade val="50000"/>
+              </a:schemeClr>
+            </a:lnRef>
+            <a:fillRef idx="1">
+              <a:schemeClr val="accent1"/>
+            </a:fillRef>
+            <a:effectRef idx="0">
+              <a:schemeClr val="accent1"/>
+            </a:effectRef>
+            <a:fontRef idx="minor">
+              <a:schemeClr val="lt1"/>
+            </a:fontRef>
+          </p:style>
+          <p:txBody>
+            <a:bodyPr rtlCol="0" anchor="ctr"/>
+            <a:lstStyle/>
+            <a:p>
+              <a:pPr algn="ctr"/>
+              <a:endParaRPr lang="ko-KR" altLang="en-US" dirty="0">
+                <a:solidFill>
+                  <a:schemeClr val="tx1"/>
+                </a:solidFill>
+                <a:latin typeface="+mj-ea"/>
+                <a:ea typeface="+mj-ea"/>
+              </a:endParaRPr>
+            </a:p>
+          </p:txBody>
+        </p:sp>
+        <p:sp>
+          <p:nvSpPr>
+            <p:cNvPr id="10" name="사각형: 둥근 모서리 9">
+              <a:extLst>
+                <a:ext uri="{FF2B5EF4-FFF2-40B4-BE49-F238E27FC236}">
+                  <a16:creationId xmlns:a16="http://schemas.microsoft.com/office/drawing/2014/main" id="{8CA2D88D-2EED-4083-80C2-597407116AD9}"/>
+                </a:ext>
+              </a:extLst>
+            </p:cNvPr>
+            <p:cNvSpPr/>
+            <p:nvPr/>
+          </p:nvSpPr>
+          <p:spPr>
+            <a:xfrm>
+              <a:off x="706313" y="2502572"/>
+              <a:ext cx="1770186" cy="1104228"/>
+            </a:xfrm>
+            <a:prstGeom prst="roundRect">
+              <a:avLst>
+                <a:gd name="adj" fmla="val 9341"/>
+              </a:avLst>
+            </a:prstGeom>
+            <a:solidFill>
+              <a:schemeClr val="bg1">
+                <a:lumMod val="95000"/>
+              </a:schemeClr>
+            </a:solidFill>
+            <a:ln>
+              <a:solidFill>
+                <a:schemeClr val="bg1">
+                  <a:lumMod val="75000"/>
+                </a:schemeClr>
+              </a:solidFill>
+            </a:ln>
+          </p:spPr>
+          <p:style>
+            <a:lnRef idx="2">
+              <a:schemeClr val="accent1">
+                <a:shade val="50000"/>
+              </a:schemeClr>
+            </a:lnRef>
+            <a:fillRef idx="1">
+              <a:schemeClr val="accent1"/>
+            </a:fillRef>
+            <a:effectRef idx="0">
+              <a:schemeClr val="accent1"/>
+            </a:effectRef>
+            <a:fontRef idx="minor">
+              <a:schemeClr val="lt1"/>
+            </a:fontRef>
+          </p:style>
+          <p:txBody>
+            <a:bodyPr rtlCol="0" anchor="ctr"/>
+            <a:lstStyle/>
+            <a:p>
+              <a:pPr algn="ctr"/>
+              <a:r>
+                <a:rPr lang="en-US" altLang="ko-KR" sz="1200" dirty="0">
+                  <a:solidFill>
+                    <a:schemeClr val="tx1"/>
+                  </a:solidFill>
+                  <a:latin typeface="+mj-ea"/>
+                  <a:ea typeface="+mj-ea"/>
+                </a:rPr>
+                <a:t>Random</a:t>
+              </a:r>
+              <a:br>
+                <a:rPr lang="en-US" altLang="ko-KR" sz="1200" dirty="0">
+                  <a:solidFill>
+                    <a:schemeClr val="tx1"/>
+                  </a:solidFill>
+                  <a:latin typeface="+mj-ea"/>
+                  <a:ea typeface="+mj-ea"/>
+                </a:rPr>
+              </a:br>
+              <a:r>
+                <a:rPr lang="en-US" altLang="ko-KR" sz="1200" dirty="0">
+                  <a:solidFill>
+                    <a:schemeClr val="tx1"/>
+                  </a:solidFill>
+                  <a:latin typeface="+mj-ea"/>
+                  <a:ea typeface="+mj-ea"/>
+                </a:rPr>
+                <a:t>under-sampling</a:t>
+              </a:r>
+            </a:p>
+            <a:p>
+              <a:pPr algn="ctr"/>
+              <a:endParaRPr lang="en-US" altLang="ko-KR" sz="1200" dirty="0">
+                <a:solidFill>
+                  <a:schemeClr val="tx1"/>
+                </a:solidFill>
+                <a:latin typeface="+mj-ea"/>
+                <a:ea typeface="+mj-ea"/>
+              </a:endParaRPr>
+            </a:p>
+            <a:p>
+              <a:pPr lvl="0" algn="ctr"/>
+              <a:r>
+                <a:rPr lang="en-US" altLang="ko-KR" sz="1100" dirty="0">
+                  <a:solidFill>
+                    <a:prstClr val="black"/>
+                  </a:solidFill>
+                </a:rPr>
+                <a:t>UFO </a:t>
+              </a:r>
+              <a:r>
+                <a:rPr lang="ko-KR" altLang="en-US" sz="1100" dirty="0">
+                  <a:solidFill>
+                    <a:prstClr val="black"/>
+                  </a:solidFill>
+                </a:rPr>
+                <a:t>관측 </a:t>
+              </a:r>
+              <a:r>
+                <a:rPr lang="en-US" altLang="ko-KR" sz="1100" dirty="0">
+                  <a:solidFill>
+                    <a:prstClr val="black"/>
+                  </a:solidFill>
+                </a:rPr>
+                <a:t>X </a:t>
+              </a:r>
+              <a:r>
+                <a:rPr lang="ko-KR" altLang="en-US" sz="1100" dirty="0">
+                  <a:solidFill>
+                    <a:prstClr val="black"/>
+                  </a:solidFill>
+                </a:rPr>
+                <a:t>샘플을</a:t>
+              </a:r>
+              <a:br>
+                <a:rPr lang="en-US" altLang="ko-KR" sz="1100" dirty="0">
+                  <a:solidFill>
+                    <a:prstClr val="black"/>
+                  </a:solidFill>
+                </a:rPr>
+              </a:br>
+              <a:r>
+                <a:rPr lang="ko-KR" altLang="en-US" sz="1100" dirty="0">
+                  <a:solidFill>
+                    <a:prstClr val="black"/>
+                  </a:solidFill>
+                </a:rPr>
+                <a:t>기존 </a:t>
+              </a:r>
+              <a:r>
+                <a:rPr lang="en-US" altLang="ko-KR" sz="1100" dirty="0">
+                  <a:solidFill>
+                    <a:prstClr val="black"/>
+                  </a:solidFill>
+                </a:rPr>
+                <a:t>UFO </a:t>
+              </a:r>
+              <a:r>
+                <a:rPr lang="ko-KR" altLang="en-US" sz="1100" dirty="0">
+                  <a:solidFill>
+                    <a:prstClr val="black"/>
+                  </a:solidFill>
+                </a:rPr>
+                <a:t>관측 </a:t>
+              </a:r>
+              <a:r>
+                <a:rPr lang="en-US" altLang="ko-KR" sz="1100" dirty="0">
+                  <a:solidFill>
+                    <a:prstClr val="black"/>
+                  </a:solidFill>
+                </a:rPr>
+                <a:t>O</a:t>
+              </a:r>
+              <a:r>
+                <a:rPr lang="ko-KR" altLang="en-US" sz="1100" dirty="0">
+                  <a:solidFill>
+                    <a:prstClr val="black"/>
+                  </a:solidFill>
+                </a:rPr>
+                <a:t> 샘플의</a:t>
+              </a:r>
+              <a:br>
+                <a:rPr lang="en-US" altLang="ko-KR" sz="1100" dirty="0">
+                  <a:solidFill>
+                    <a:prstClr val="black"/>
+                  </a:solidFill>
+                </a:rPr>
+              </a:br>
+              <a:r>
+                <a:rPr lang="en-US" altLang="ko-KR" sz="1100" dirty="0">
+                  <a:solidFill>
+                    <a:prstClr val="black"/>
+                  </a:solidFill>
+                </a:rPr>
+                <a:t>3</a:t>
+              </a:r>
+              <a:r>
+                <a:rPr lang="ko-KR" altLang="en-US" sz="1100" dirty="0">
+                  <a:solidFill>
+                    <a:prstClr val="black"/>
+                  </a:solidFill>
+                </a:rPr>
+                <a:t>배수로 </a:t>
+              </a:r>
+              <a:r>
+                <a:rPr lang="en-US" altLang="ko-KR" sz="1100" dirty="0" err="1">
+                  <a:solidFill>
+                    <a:prstClr val="black"/>
+                  </a:solidFill>
+                </a:rPr>
+                <a:t>undersampling</a:t>
+              </a:r>
+              <a:endParaRPr lang="ko-KR" altLang="en-US" sz="1100" dirty="0">
+                <a:solidFill>
+                  <a:prstClr val="black"/>
+                </a:solidFill>
+              </a:endParaRPr>
+            </a:p>
+          </p:txBody>
+        </p:sp>
+        <p:sp>
+          <p:nvSpPr>
+            <p:cNvPr id="11" name="사각형: 둥근 모서리 10">
+              <a:extLst>
+                <a:ext uri="{FF2B5EF4-FFF2-40B4-BE49-F238E27FC236}">
+                  <a16:creationId xmlns:a16="http://schemas.microsoft.com/office/drawing/2014/main" id="{209F605C-188C-40BD-9068-68D8E6DBE2D4}"/>
+                </a:ext>
+              </a:extLst>
+            </p:cNvPr>
+            <p:cNvSpPr/>
+            <p:nvPr/>
+          </p:nvSpPr>
+          <p:spPr>
+            <a:xfrm>
+              <a:off x="706313" y="3694571"/>
+              <a:ext cx="1770186" cy="1104228"/>
+            </a:xfrm>
+            <a:prstGeom prst="roundRect">
+              <a:avLst>
+                <a:gd name="adj" fmla="val 9341"/>
+              </a:avLst>
+            </a:prstGeom>
+            <a:solidFill>
+              <a:schemeClr val="bg1">
+                <a:lumMod val="95000"/>
+              </a:schemeClr>
+            </a:solidFill>
+            <a:ln>
+              <a:solidFill>
+                <a:schemeClr val="bg1">
+                  <a:lumMod val="75000"/>
+                </a:schemeClr>
+              </a:solidFill>
+            </a:ln>
+          </p:spPr>
+          <p:style>
+            <a:lnRef idx="2">
+              <a:schemeClr val="accent1">
+                <a:shade val="50000"/>
+              </a:schemeClr>
+            </a:lnRef>
+            <a:fillRef idx="1">
+              <a:schemeClr val="accent1"/>
+            </a:fillRef>
+            <a:effectRef idx="0">
+              <a:schemeClr val="accent1"/>
+            </a:effectRef>
+            <a:fontRef idx="minor">
+              <a:schemeClr val="lt1"/>
+            </a:fontRef>
+          </p:style>
+          <p:txBody>
+            <a:bodyPr rtlCol="0" anchor="ctr"/>
+            <a:lstStyle/>
+            <a:p>
+              <a:pPr lvl="0" algn="ctr"/>
+              <a:r>
+                <a:rPr lang="en-US" altLang="ko-KR" sz="1200" dirty="0">
+                  <a:solidFill>
+                    <a:prstClr val="black"/>
+                  </a:solidFill>
+                  <a:latin typeface="나눔스퀘어 ExtraBold"/>
+                  <a:ea typeface="나눔스퀘어 ExtraBold"/>
+                </a:rPr>
+                <a:t>Random</a:t>
+              </a:r>
+              <a:br>
+                <a:rPr lang="en-US" altLang="ko-KR" sz="1200" dirty="0">
+                  <a:solidFill>
+                    <a:prstClr val="black"/>
+                  </a:solidFill>
+                  <a:latin typeface="나눔스퀘어 ExtraBold"/>
+                  <a:ea typeface="나눔스퀘어 ExtraBold"/>
+                </a:rPr>
+              </a:br>
+              <a:r>
+                <a:rPr lang="en-US" altLang="ko-KR" sz="1200" dirty="0">
+                  <a:solidFill>
+                    <a:prstClr val="black"/>
+                  </a:solidFill>
+                  <a:latin typeface="나눔스퀘어 ExtraBold"/>
+                  <a:ea typeface="나눔스퀘어 ExtraBold"/>
+                </a:rPr>
+                <a:t>over-sampling</a:t>
+              </a:r>
+            </a:p>
+            <a:p>
+              <a:pPr lvl="0" algn="ctr"/>
+              <a:endParaRPr lang="en-US" altLang="ko-KR" sz="1200" dirty="0">
+                <a:solidFill>
+                  <a:prstClr val="black"/>
+                </a:solidFill>
+                <a:latin typeface="나눔스퀘어 ExtraBold"/>
+                <a:ea typeface="나눔스퀘어 ExtraBold"/>
+              </a:endParaRPr>
+            </a:p>
+            <a:p>
+              <a:pPr lvl="0" algn="ctr"/>
+              <a:r>
+                <a:rPr lang="en-US" altLang="ko-KR" sz="1100" dirty="0">
+                  <a:solidFill>
+                    <a:prstClr val="black"/>
+                  </a:solidFill>
+                </a:rPr>
+                <a:t>UFO </a:t>
+              </a:r>
+              <a:r>
+                <a:rPr lang="ko-KR" altLang="en-US" sz="1100" dirty="0">
+                  <a:solidFill>
+                    <a:prstClr val="black"/>
+                  </a:solidFill>
+                </a:rPr>
+                <a:t>관측 </a:t>
+              </a:r>
+              <a:r>
+                <a:rPr lang="en-US" altLang="ko-KR" sz="1100" dirty="0">
+                  <a:solidFill>
+                    <a:prstClr val="black"/>
+                  </a:solidFill>
+                </a:rPr>
+                <a:t>O </a:t>
+              </a:r>
+              <a:r>
+                <a:rPr lang="ko-KR" altLang="en-US" sz="1100" dirty="0">
+                  <a:solidFill>
+                    <a:prstClr val="black"/>
+                  </a:solidFill>
+                </a:rPr>
+                <a:t>샘플을</a:t>
+              </a:r>
+              <a:endParaRPr lang="en-US" altLang="ko-KR" sz="1100" dirty="0">
+                <a:solidFill>
+                  <a:prstClr val="black"/>
+                </a:solidFill>
+              </a:endParaRPr>
+            </a:p>
+            <a:p>
+              <a:pPr lvl="0" algn="ctr"/>
+              <a:r>
+                <a:rPr lang="ko-KR" altLang="en-US" sz="1100" dirty="0">
+                  <a:solidFill>
+                    <a:prstClr val="black"/>
+                  </a:solidFill>
+                </a:rPr>
+                <a:t>기존 </a:t>
+              </a:r>
+              <a:r>
+                <a:rPr lang="en-US" altLang="ko-KR" sz="1100" dirty="0">
+                  <a:solidFill>
+                    <a:prstClr val="black"/>
+                  </a:solidFill>
+                </a:rPr>
+                <a:t>UFO </a:t>
+              </a:r>
+              <a:r>
+                <a:rPr lang="ko-KR" altLang="en-US" sz="1100" dirty="0">
+                  <a:solidFill>
+                    <a:prstClr val="black"/>
+                  </a:solidFill>
+                </a:rPr>
+                <a:t>관측 </a:t>
+              </a:r>
+              <a:r>
+                <a:rPr lang="en-US" altLang="ko-KR" sz="1100" dirty="0">
+                  <a:solidFill>
+                    <a:prstClr val="black"/>
+                  </a:solidFill>
+                </a:rPr>
+                <a:t>O </a:t>
+              </a:r>
+              <a:r>
+                <a:rPr lang="ko-KR" altLang="en-US" sz="1100" dirty="0">
+                  <a:solidFill>
+                    <a:prstClr val="black"/>
+                  </a:solidFill>
+                </a:rPr>
+                <a:t>샘플의</a:t>
+              </a:r>
+              <a:br>
+                <a:rPr lang="en-US" altLang="ko-KR" sz="1100" dirty="0">
+                  <a:solidFill>
+                    <a:prstClr val="black"/>
+                  </a:solidFill>
+                </a:rPr>
+              </a:br>
+              <a:r>
+                <a:rPr lang="en-US" altLang="ko-KR" sz="1100" dirty="0">
+                  <a:solidFill>
+                    <a:prstClr val="black"/>
+                  </a:solidFill>
+                </a:rPr>
+                <a:t>3</a:t>
+              </a:r>
+              <a:r>
+                <a:rPr lang="ko-KR" altLang="en-US" sz="1100" dirty="0">
+                  <a:solidFill>
+                    <a:prstClr val="black"/>
+                  </a:solidFill>
+                </a:rPr>
+                <a:t>배수로 </a:t>
+              </a:r>
+              <a:r>
+                <a:rPr lang="en-US" altLang="ko-KR" sz="1100" dirty="0">
+                  <a:solidFill>
+                    <a:prstClr val="black"/>
+                  </a:solidFill>
+                </a:rPr>
+                <a:t>oversampling</a:t>
+              </a:r>
+              <a:endParaRPr lang="ko-KR" altLang="en-US" sz="1100" dirty="0">
+                <a:solidFill>
+                  <a:prstClr val="black"/>
+                </a:solidFill>
+              </a:endParaRPr>
+            </a:p>
+          </p:txBody>
+        </p:sp>
+        <p:sp>
+          <p:nvSpPr>
+            <p:cNvPr id="12" name="사각형: 둥근 모서리 11">
+              <a:extLst>
+                <a:ext uri="{FF2B5EF4-FFF2-40B4-BE49-F238E27FC236}">
+                  <a16:creationId xmlns:a16="http://schemas.microsoft.com/office/drawing/2014/main" id="{B38664B8-1CCA-4F18-81CB-8DF9C1B1233D}"/>
+                </a:ext>
+              </a:extLst>
+            </p:cNvPr>
+            <p:cNvSpPr/>
+            <p:nvPr/>
+          </p:nvSpPr>
+          <p:spPr>
+            <a:xfrm>
+              <a:off x="706313" y="4886752"/>
+              <a:ext cx="1770186" cy="1104228"/>
+            </a:xfrm>
+            <a:prstGeom prst="roundRect">
+              <a:avLst>
+                <a:gd name="adj" fmla="val 9341"/>
+              </a:avLst>
+            </a:prstGeom>
+            <a:solidFill>
+              <a:schemeClr val="bg1">
+                <a:lumMod val="95000"/>
+              </a:schemeClr>
+            </a:solidFill>
+            <a:ln>
+              <a:solidFill>
+                <a:schemeClr val="bg1">
+                  <a:lumMod val="75000"/>
+                </a:schemeClr>
+              </a:solidFill>
+            </a:ln>
+          </p:spPr>
+          <p:style>
+            <a:lnRef idx="2">
+              <a:schemeClr val="accent1">
+                <a:shade val="50000"/>
+              </a:schemeClr>
+            </a:lnRef>
+            <a:fillRef idx="1">
+              <a:schemeClr val="accent1"/>
+            </a:fillRef>
+            <a:effectRef idx="0">
+              <a:schemeClr val="accent1"/>
+            </a:effectRef>
+            <a:fontRef idx="minor">
+              <a:schemeClr val="lt1"/>
+            </a:fontRef>
+          </p:style>
+          <p:txBody>
+            <a:bodyPr rtlCol="0" anchor="ctr"/>
+            <a:lstStyle/>
+            <a:p>
+              <a:pPr lvl="0" algn="ctr"/>
+              <a:r>
+                <a:rPr lang="en-US" altLang="ko-KR" sz="1200" dirty="0">
+                  <a:solidFill>
+                    <a:prstClr val="black"/>
+                  </a:solidFill>
+                  <a:latin typeface="나눔스퀘어 ExtraBold"/>
+                  <a:ea typeface="나눔스퀘어 ExtraBold"/>
+                </a:rPr>
+                <a:t>SMOTE</a:t>
+              </a:r>
+            </a:p>
+            <a:p>
+              <a:pPr lvl="0" algn="ctr"/>
+              <a:endParaRPr lang="en-US" altLang="ko-KR" sz="1200" dirty="0">
+                <a:solidFill>
+                  <a:prstClr val="black"/>
+                </a:solidFill>
+                <a:latin typeface="나눔스퀘어 ExtraBold"/>
+                <a:ea typeface="나눔스퀘어 ExtraBold"/>
+              </a:endParaRPr>
+            </a:p>
+            <a:p>
+              <a:pPr lvl="0" algn="ctr"/>
+              <a:r>
+                <a:rPr lang="en-US" altLang="ko-KR" sz="1100" dirty="0">
+                  <a:solidFill>
+                    <a:prstClr val="black"/>
+                  </a:solidFill>
+                </a:rPr>
+                <a:t>UFO </a:t>
+              </a:r>
+              <a:r>
+                <a:rPr lang="ko-KR" altLang="en-US" sz="1100" dirty="0">
+                  <a:solidFill>
+                    <a:prstClr val="black"/>
+                  </a:solidFill>
+                </a:rPr>
+                <a:t>관측 </a:t>
+              </a:r>
+              <a:r>
+                <a:rPr lang="en-US" altLang="ko-KR" sz="1100" dirty="0">
+                  <a:solidFill>
+                    <a:prstClr val="black"/>
+                  </a:solidFill>
+                </a:rPr>
+                <a:t>O </a:t>
+              </a:r>
+              <a:r>
+                <a:rPr lang="ko-KR" altLang="en-US" sz="1100" dirty="0">
+                  <a:solidFill>
+                    <a:prstClr val="black"/>
+                  </a:solidFill>
+                </a:rPr>
+                <a:t>샘플을</a:t>
+              </a:r>
+              <a:endParaRPr lang="en-US" altLang="ko-KR" sz="1100" dirty="0">
+                <a:solidFill>
+                  <a:prstClr val="black"/>
+                </a:solidFill>
+              </a:endParaRPr>
+            </a:p>
+            <a:p>
+              <a:pPr lvl="0" algn="ctr"/>
+              <a:r>
+                <a:rPr lang="ko-KR" altLang="en-US" sz="1100" dirty="0">
+                  <a:solidFill>
+                    <a:prstClr val="black"/>
+                  </a:solidFill>
+                </a:rPr>
+                <a:t>기존 </a:t>
+              </a:r>
+              <a:r>
+                <a:rPr lang="en-US" altLang="ko-KR" sz="1100" dirty="0">
+                  <a:solidFill>
+                    <a:prstClr val="black"/>
+                  </a:solidFill>
+                </a:rPr>
+                <a:t>UFO </a:t>
+              </a:r>
+              <a:r>
+                <a:rPr lang="ko-KR" altLang="en-US" sz="1100" dirty="0">
+                  <a:solidFill>
+                    <a:prstClr val="black"/>
+                  </a:solidFill>
+                </a:rPr>
+                <a:t>관측 </a:t>
+              </a:r>
+              <a:r>
+                <a:rPr lang="en-US" altLang="ko-KR" sz="1100" dirty="0">
+                  <a:solidFill>
+                    <a:prstClr val="black"/>
+                  </a:solidFill>
+                </a:rPr>
+                <a:t>O </a:t>
+              </a:r>
+              <a:r>
+                <a:rPr lang="ko-KR" altLang="en-US" sz="1100" dirty="0">
+                  <a:solidFill>
+                    <a:prstClr val="black"/>
+                  </a:solidFill>
+                </a:rPr>
+                <a:t>샘플의</a:t>
+              </a:r>
+              <a:br>
+                <a:rPr lang="en-US" altLang="ko-KR" sz="1100" dirty="0">
+                  <a:solidFill>
+                    <a:prstClr val="black"/>
+                  </a:solidFill>
+                </a:rPr>
+              </a:br>
+              <a:r>
+                <a:rPr lang="en-US" altLang="ko-KR" sz="1100" dirty="0">
+                  <a:solidFill>
+                    <a:prstClr val="black"/>
+                  </a:solidFill>
+                </a:rPr>
+                <a:t>3</a:t>
+              </a:r>
+              <a:r>
+                <a:rPr lang="ko-KR" altLang="en-US" sz="1100" dirty="0">
+                  <a:solidFill>
+                    <a:prstClr val="black"/>
+                  </a:solidFill>
+                </a:rPr>
+                <a:t>배수로 </a:t>
+              </a:r>
+              <a:r>
+                <a:rPr lang="en-US" altLang="ko-KR" sz="1100" dirty="0">
+                  <a:solidFill>
+                    <a:prstClr val="black"/>
+                  </a:solidFill>
+                </a:rPr>
+                <a:t>oversampling</a:t>
+              </a:r>
+              <a:endParaRPr lang="ko-KR" altLang="en-US" sz="1100" dirty="0">
+                <a:solidFill>
+                  <a:prstClr val="black"/>
+                </a:solidFill>
+              </a:endParaRPr>
+            </a:p>
+          </p:txBody>
+        </p:sp>
+        <p:sp>
+          <p:nvSpPr>
+            <p:cNvPr id="13" name="사각형: 둥근 모서리 12">
+              <a:extLst>
+                <a:ext uri="{FF2B5EF4-FFF2-40B4-BE49-F238E27FC236}">
+                  <a16:creationId xmlns:a16="http://schemas.microsoft.com/office/drawing/2014/main" id="{E1271902-D21B-4073-9D24-3963BD61CA37}"/>
+                </a:ext>
+              </a:extLst>
+            </p:cNvPr>
+            <p:cNvSpPr/>
+            <p:nvPr/>
+          </p:nvSpPr>
+          <p:spPr>
+            <a:xfrm>
+              <a:off x="3572607" y="2397370"/>
+              <a:ext cx="1998785" cy="3698630"/>
+            </a:xfrm>
+            <a:prstGeom prst="roundRect">
+              <a:avLst>
+                <a:gd name="adj" fmla="val 4777"/>
+              </a:avLst>
+            </a:prstGeom>
+            <a:solidFill>
+              <a:schemeClr val="bg1"/>
+            </a:solidFill>
+            <a:ln>
+              <a:solidFill>
+                <a:schemeClr val="bg1">
+                  <a:lumMod val="75000"/>
+                </a:schemeClr>
+              </a:solidFill>
+            </a:ln>
+          </p:spPr>
+          <p:style>
+            <a:lnRef idx="2">
+              <a:schemeClr val="accent1">
+                <a:shade val="50000"/>
+              </a:schemeClr>
+            </a:lnRef>
+            <a:fillRef idx="1">
+              <a:schemeClr val="accent1"/>
+            </a:fillRef>
+            <a:effectRef idx="0">
+              <a:schemeClr val="accent1"/>
+            </a:effectRef>
+            <a:fontRef idx="minor">
+              <a:schemeClr val="lt1"/>
+            </a:fontRef>
+          </p:style>
+          <p:txBody>
+            <a:bodyPr rtlCol="0" anchor="ctr"/>
+            <a:lstStyle/>
+            <a:p>
+              <a:pPr algn="ctr"/>
+              <a:endParaRPr lang="ko-KR" altLang="en-US" dirty="0">
+                <a:solidFill>
+                  <a:schemeClr val="tx1"/>
+                </a:solidFill>
+                <a:latin typeface="+mj-ea"/>
+                <a:ea typeface="+mj-ea"/>
+              </a:endParaRPr>
+            </a:p>
+          </p:txBody>
+        </p:sp>
+        <p:sp>
+          <p:nvSpPr>
+            <p:cNvPr id="14" name="사각형: 둥근 모서리 13">
+              <a:extLst>
+                <a:ext uri="{FF2B5EF4-FFF2-40B4-BE49-F238E27FC236}">
+                  <a16:creationId xmlns:a16="http://schemas.microsoft.com/office/drawing/2014/main" id="{DFF35FF1-7791-4CD0-92B4-11AFD967205E}"/>
+                </a:ext>
+              </a:extLst>
+            </p:cNvPr>
+            <p:cNvSpPr/>
+            <p:nvPr/>
+          </p:nvSpPr>
+          <p:spPr>
+            <a:xfrm>
+              <a:off x="3686906" y="2502572"/>
+              <a:ext cx="1770186" cy="1104228"/>
+            </a:xfrm>
+            <a:prstGeom prst="roundRect">
+              <a:avLst>
+                <a:gd name="adj" fmla="val 9341"/>
+              </a:avLst>
+            </a:prstGeom>
+            <a:solidFill>
+              <a:schemeClr val="bg1">
+                <a:lumMod val="95000"/>
+              </a:schemeClr>
+            </a:solidFill>
+            <a:ln>
+              <a:solidFill>
+                <a:schemeClr val="bg1">
+                  <a:lumMod val="75000"/>
+                </a:schemeClr>
+              </a:solidFill>
+            </a:ln>
+          </p:spPr>
+          <p:style>
+            <a:lnRef idx="2">
+              <a:schemeClr val="accent1">
+                <a:shade val="50000"/>
+              </a:schemeClr>
+            </a:lnRef>
+            <a:fillRef idx="1">
+              <a:schemeClr val="accent1"/>
+            </a:fillRef>
+            <a:effectRef idx="0">
+              <a:schemeClr val="accent1"/>
+            </a:effectRef>
+            <a:fontRef idx="minor">
+              <a:schemeClr val="lt1"/>
+            </a:fontRef>
+          </p:style>
+          <p:txBody>
+            <a:bodyPr rtlCol="0" anchor="ctr"/>
+            <a:lstStyle/>
+            <a:p>
+              <a:pPr algn="ctr"/>
+              <a:r>
+                <a:rPr lang="en-US" altLang="ko-KR" sz="1200" dirty="0">
+                  <a:solidFill>
+                    <a:schemeClr val="tx1"/>
+                  </a:solidFill>
+                  <a:latin typeface="+mj-ea"/>
+                  <a:ea typeface="+mj-ea"/>
+                </a:rPr>
+                <a:t>Linear SVM</a:t>
+              </a:r>
+            </a:p>
+            <a:p>
+              <a:pPr algn="ctr"/>
+              <a:endParaRPr lang="en-US" altLang="ko-KR" sz="1200" dirty="0">
+                <a:solidFill>
+                  <a:schemeClr val="tx1"/>
+                </a:solidFill>
+                <a:latin typeface="+mj-ea"/>
+                <a:ea typeface="+mj-ea"/>
+              </a:endParaRPr>
+            </a:p>
+            <a:p>
+              <a:pPr algn="ctr"/>
+              <a:r>
+                <a:rPr lang="en-US" altLang="ko-KR" sz="1100" dirty="0">
+                  <a:solidFill>
+                    <a:prstClr val="black"/>
+                  </a:solidFill>
+                </a:rPr>
+                <a:t>Class weight balancing</a:t>
+              </a:r>
+              <a:endParaRPr lang="ko-KR" altLang="en-US" sz="1100" dirty="0">
+                <a:solidFill>
+                  <a:prstClr val="black"/>
+                </a:solidFill>
+              </a:endParaRPr>
+            </a:p>
+          </p:txBody>
+        </p:sp>
+        <p:sp>
+          <p:nvSpPr>
+            <p:cNvPr id="15" name="사각형: 둥근 모서리 14">
+              <a:extLst>
+                <a:ext uri="{FF2B5EF4-FFF2-40B4-BE49-F238E27FC236}">
+                  <a16:creationId xmlns:a16="http://schemas.microsoft.com/office/drawing/2014/main" id="{BEAC8A82-878D-4C9C-B4E8-3701EAE1A38E}"/>
+                </a:ext>
+              </a:extLst>
+            </p:cNvPr>
+            <p:cNvSpPr/>
+            <p:nvPr/>
+          </p:nvSpPr>
+          <p:spPr>
+            <a:xfrm>
+              <a:off x="3686906" y="3694571"/>
+              <a:ext cx="1770186" cy="1104228"/>
+            </a:xfrm>
+            <a:prstGeom prst="roundRect">
+              <a:avLst>
+                <a:gd name="adj" fmla="val 9341"/>
+              </a:avLst>
+            </a:prstGeom>
+            <a:solidFill>
+              <a:schemeClr val="bg1">
+                <a:lumMod val="95000"/>
+              </a:schemeClr>
+            </a:solidFill>
+            <a:ln>
+              <a:solidFill>
+                <a:schemeClr val="bg1">
+                  <a:lumMod val="75000"/>
+                </a:schemeClr>
+              </a:solidFill>
+            </a:ln>
+          </p:spPr>
+          <p:style>
+            <a:lnRef idx="2">
+              <a:schemeClr val="accent1">
+                <a:shade val="50000"/>
+              </a:schemeClr>
+            </a:lnRef>
+            <a:fillRef idx="1">
+              <a:schemeClr val="accent1"/>
+            </a:fillRef>
+            <a:effectRef idx="0">
+              <a:schemeClr val="accent1"/>
+            </a:effectRef>
+            <a:fontRef idx="minor">
+              <a:schemeClr val="lt1"/>
+            </a:fontRef>
+          </p:style>
+          <p:txBody>
+            <a:bodyPr rtlCol="0" anchor="ctr"/>
+            <a:lstStyle/>
+            <a:p>
+              <a:pPr lvl="0" algn="ctr"/>
+              <a:r>
+                <a:rPr lang="en-US" altLang="ko-KR" sz="1200" dirty="0">
+                  <a:solidFill>
+                    <a:prstClr val="black"/>
+                  </a:solidFill>
+                  <a:latin typeface="나눔스퀘어 ExtraBold"/>
+                  <a:ea typeface="나눔스퀘어 ExtraBold"/>
+                </a:rPr>
+                <a:t>Decision Tree</a:t>
+              </a:r>
+            </a:p>
+            <a:p>
+              <a:pPr lvl="0" algn="ctr"/>
+              <a:endParaRPr lang="en-US" altLang="ko-KR" sz="1200" dirty="0">
+                <a:solidFill>
+                  <a:prstClr val="black"/>
+                </a:solidFill>
+                <a:latin typeface="나눔스퀘어 ExtraBold"/>
+                <a:ea typeface="나눔스퀘어 ExtraBold"/>
+              </a:endParaRPr>
+            </a:p>
+            <a:p>
+              <a:pPr lvl="0" algn="ctr"/>
+              <a:r>
+                <a:rPr lang="en-US" altLang="ko-KR" sz="1100" dirty="0">
+                  <a:solidFill>
+                    <a:prstClr val="black"/>
+                  </a:solidFill>
+                </a:rPr>
+                <a:t>Class weight balancing</a:t>
+              </a:r>
+              <a:endParaRPr lang="ko-KR" altLang="en-US" sz="1100" dirty="0">
+                <a:solidFill>
+                  <a:prstClr val="black"/>
+                </a:solidFill>
+              </a:endParaRPr>
+            </a:p>
+          </p:txBody>
+        </p:sp>
+        <p:sp>
+          <p:nvSpPr>
+            <p:cNvPr id="16" name="사각형: 둥근 모서리 15">
+              <a:extLst>
+                <a:ext uri="{FF2B5EF4-FFF2-40B4-BE49-F238E27FC236}">
+                  <a16:creationId xmlns:a16="http://schemas.microsoft.com/office/drawing/2014/main" id="{F375705F-6761-4A4F-9951-BD98BBC78D81}"/>
+                </a:ext>
+              </a:extLst>
+            </p:cNvPr>
+            <p:cNvSpPr/>
+            <p:nvPr/>
+          </p:nvSpPr>
+          <p:spPr>
+            <a:xfrm>
+              <a:off x="3686906" y="4886752"/>
+              <a:ext cx="1770186" cy="1104228"/>
+            </a:xfrm>
+            <a:prstGeom prst="roundRect">
+              <a:avLst>
+                <a:gd name="adj" fmla="val 9341"/>
+              </a:avLst>
+            </a:prstGeom>
+            <a:solidFill>
+              <a:schemeClr val="bg1">
+                <a:lumMod val="95000"/>
+              </a:schemeClr>
+            </a:solidFill>
+            <a:ln>
+              <a:solidFill>
+                <a:schemeClr val="bg1">
+                  <a:lumMod val="75000"/>
+                </a:schemeClr>
+              </a:solidFill>
+            </a:ln>
+          </p:spPr>
+          <p:style>
+            <a:lnRef idx="2">
+              <a:schemeClr val="accent1">
+                <a:shade val="50000"/>
+              </a:schemeClr>
+            </a:lnRef>
+            <a:fillRef idx="1">
+              <a:schemeClr val="accent1"/>
+            </a:fillRef>
+            <a:effectRef idx="0">
+              <a:schemeClr val="accent1"/>
+            </a:effectRef>
+            <a:fontRef idx="minor">
+              <a:schemeClr val="lt1"/>
+            </a:fontRef>
+          </p:style>
+          <p:txBody>
+            <a:bodyPr rtlCol="0" anchor="ctr"/>
+            <a:lstStyle/>
+            <a:p>
+              <a:pPr lvl="0" algn="ctr"/>
+              <a:r>
+                <a:rPr lang="en-US" altLang="ko-KR" sz="1200" dirty="0">
+                  <a:solidFill>
+                    <a:prstClr val="black"/>
+                  </a:solidFill>
+                  <a:latin typeface="나눔스퀘어 ExtraBold"/>
+                  <a:ea typeface="나눔스퀘어 ExtraBold"/>
+                </a:rPr>
+                <a:t>Random Forest</a:t>
+              </a:r>
+            </a:p>
+            <a:p>
+              <a:pPr lvl="0" algn="ctr"/>
+              <a:endParaRPr lang="en-US" altLang="ko-KR" sz="1200" dirty="0">
+                <a:solidFill>
+                  <a:prstClr val="black"/>
+                </a:solidFill>
+                <a:latin typeface="나눔스퀘어 ExtraBold"/>
+                <a:ea typeface="나눔스퀘어 ExtraBold"/>
+              </a:endParaRPr>
+            </a:p>
+            <a:p>
+              <a:pPr lvl="0" algn="ctr"/>
+              <a:r>
+                <a:rPr lang="en-US" altLang="ko-KR" sz="1100" dirty="0">
+                  <a:solidFill>
+                    <a:prstClr val="black"/>
+                  </a:solidFill>
+                </a:rPr>
+                <a:t>Class weight balancing</a:t>
+              </a:r>
+              <a:endParaRPr lang="ko-KR" altLang="en-US" sz="1100" dirty="0">
+                <a:solidFill>
+                  <a:prstClr val="black"/>
+                </a:solidFill>
+              </a:endParaRPr>
+            </a:p>
+          </p:txBody>
+        </p:sp>
+        <p:sp>
+          <p:nvSpPr>
+            <p:cNvPr id="17" name="사각형: 둥근 모서리 16">
+              <a:extLst>
+                <a:ext uri="{FF2B5EF4-FFF2-40B4-BE49-F238E27FC236}">
+                  <a16:creationId xmlns:a16="http://schemas.microsoft.com/office/drawing/2014/main" id="{374CD2BD-9C28-4A9D-9C9F-637B9614908B}"/>
+                </a:ext>
+              </a:extLst>
+            </p:cNvPr>
+            <p:cNvSpPr/>
+            <p:nvPr/>
+          </p:nvSpPr>
+          <p:spPr>
+            <a:xfrm>
+              <a:off x="6553201" y="2397370"/>
+              <a:ext cx="1998785" cy="3698630"/>
+            </a:xfrm>
+            <a:prstGeom prst="roundRect">
+              <a:avLst>
+                <a:gd name="adj" fmla="val 4777"/>
+              </a:avLst>
+            </a:prstGeom>
+            <a:solidFill>
+              <a:schemeClr val="bg1"/>
+            </a:solidFill>
+            <a:ln>
+              <a:solidFill>
+                <a:schemeClr val="bg1">
+                  <a:lumMod val="75000"/>
+                </a:schemeClr>
+              </a:solidFill>
+            </a:ln>
+          </p:spPr>
+          <p:style>
+            <a:lnRef idx="2">
+              <a:schemeClr val="accent1">
+                <a:shade val="50000"/>
+              </a:schemeClr>
+            </a:lnRef>
+            <a:fillRef idx="1">
+              <a:schemeClr val="accent1"/>
+            </a:fillRef>
+            <a:effectRef idx="0">
+              <a:schemeClr val="accent1"/>
+            </a:effectRef>
+            <a:fontRef idx="minor">
+              <a:schemeClr val="lt1"/>
+            </a:fontRef>
+          </p:style>
+          <p:txBody>
+            <a:bodyPr rtlCol="0" anchor="ctr"/>
+            <a:lstStyle/>
+            <a:p>
+              <a:pPr algn="ctr"/>
+              <a:endParaRPr lang="ko-KR" altLang="en-US" dirty="0">
+                <a:solidFill>
+                  <a:schemeClr val="tx1"/>
+                </a:solidFill>
+                <a:latin typeface="+mj-ea"/>
+                <a:ea typeface="+mj-ea"/>
+              </a:endParaRPr>
+            </a:p>
+          </p:txBody>
+        </p:sp>
+        <p:sp>
+          <p:nvSpPr>
+            <p:cNvPr id="18" name="사각형: 둥근 모서리 17">
+              <a:extLst>
+                <a:ext uri="{FF2B5EF4-FFF2-40B4-BE49-F238E27FC236}">
+                  <a16:creationId xmlns:a16="http://schemas.microsoft.com/office/drawing/2014/main" id="{2019B10A-645F-4672-8A9F-33CF1BEF7B30}"/>
+                </a:ext>
+              </a:extLst>
+            </p:cNvPr>
+            <p:cNvSpPr/>
+            <p:nvPr/>
+          </p:nvSpPr>
+          <p:spPr>
+            <a:xfrm>
+              <a:off x="6667500" y="2502572"/>
+              <a:ext cx="1770186" cy="1104228"/>
+            </a:xfrm>
+            <a:prstGeom prst="roundRect">
+              <a:avLst>
+                <a:gd name="adj" fmla="val 9341"/>
+              </a:avLst>
+            </a:prstGeom>
+            <a:solidFill>
+              <a:schemeClr val="bg1">
+                <a:lumMod val="95000"/>
+              </a:schemeClr>
+            </a:solidFill>
+            <a:ln>
+              <a:solidFill>
+                <a:schemeClr val="bg1">
+                  <a:lumMod val="75000"/>
+                </a:schemeClr>
+              </a:solidFill>
+            </a:ln>
+          </p:spPr>
+          <p:style>
+            <a:lnRef idx="2">
+              <a:schemeClr val="accent1">
+                <a:shade val="50000"/>
+              </a:schemeClr>
+            </a:lnRef>
+            <a:fillRef idx="1">
+              <a:schemeClr val="accent1"/>
+            </a:fillRef>
+            <a:effectRef idx="0">
+              <a:schemeClr val="accent1"/>
+            </a:effectRef>
+            <a:fontRef idx="minor">
+              <a:schemeClr val="lt1"/>
+            </a:fontRef>
+          </p:style>
+          <p:txBody>
+            <a:bodyPr rtlCol="0" anchor="ctr"/>
+            <a:lstStyle/>
+            <a:p>
+              <a:pPr algn="ctr"/>
+              <a:r>
+                <a:rPr lang="en-US" altLang="ko-KR" sz="1200" dirty="0">
+                  <a:solidFill>
+                    <a:schemeClr val="tx1"/>
+                  </a:solidFill>
+                  <a:latin typeface="+mj-ea"/>
+                  <a:ea typeface="+mj-ea"/>
+                </a:rPr>
+                <a:t>Accuracy</a:t>
+              </a:r>
+              <a:endParaRPr lang="ko-KR" altLang="en-US" sz="1100" dirty="0">
+                <a:solidFill>
+                  <a:prstClr val="black"/>
+                </a:solidFill>
+              </a:endParaRPr>
+            </a:p>
+          </p:txBody>
+        </p:sp>
+        <p:sp>
+          <p:nvSpPr>
+            <p:cNvPr id="19" name="사각형: 둥근 모서리 18">
+              <a:extLst>
+                <a:ext uri="{FF2B5EF4-FFF2-40B4-BE49-F238E27FC236}">
+                  <a16:creationId xmlns:a16="http://schemas.microsoft.com/office/drawing/2014/main" id="{F29B77CF-0281-4A29-A56B-3E2BF943D5E6}"/>
+                </a:ext>
+              </a:extLst>
+            </p:cNvPr>
+            <p:cNvSpPr/>
+            <p:nvPr/>
+          </p:nvSpPr>
+          <p:spPr>
+            <a:xfrm>
+              <a:off x="6667500" y="3694571"/>
+              <a:ext cx="1770186" cy="1104228"/>
+            </a:xfrm>
+            <a:prstGeom prst="roundRect">
+              <a:avLst>
+                <a:gd name="adj" fmla="val 9341"/>
+              </a:avLst>
+            </a:prstGeom>
+            <a:solidFill>
+              <a:schemeClr val="bg1">
+                <a:lumMod val="95000"/>
+              </a:schemeClr>
+            </a:solidFill>
+            <a:ln>
+              <a:solidFill>
+                <a:schemeClr val="bg1">
+                  <a:lumMod val="75000"/>
+                </a:schemeClr>
+              </a:solidFill>
+            </a:ln>
+          </p:spPr>
+          <p:style>
+            <a:lnRef idx="2">
+              <a:schemeClr val="accent1">
+                <a:shade val="50000"/>
+              </a:schemeClr>
+            </a:lnRef>
+            <a:fillRef idx="1">
+              <a:schemeClr val="accent1"/>
+            </a:fillRef>
+            <a:effectRef idx="0">
+              <a:schemeClr val="accent1"/>
+            </a:effectRef>
+            <a:fontRef idx="minor">
+              <a:schemeClr val="lt1"/>
+            </a:fontRef>
+          </p:style>
+          <p:txBody>
+            <a:bodyPr rtlCol="0" anchor="ctr"/>
+            <a:lstStyle/>
+            <a:p>
+              <a:pPr lvl="0" algn="ctr"/>
+              <a:r>
+                <a:rPr lang="en-US" altLang="ko-KR" sz="1200" dirty="0">
+                  <a:solidFill>
+                    <a:prstClr val="black"/>
+                  </a:solidFill>
+                  <a:latin typeface="나눔스퀘어 ExtraBold"/>
+                  <a:ea typeface="나눔스퀘어 ExtraBold"/>
+                </a:rPr>
+                <a:t>AUC score</a:t>
+              </a:r>
+              <a:endParaRPr lang="ko-KR" altLang="en-US" sz="1100" dirty="0">
+                <a:solidFill>
+                  <a:prstClr val="black"/>
+                </a:solidFill>
+              </a:endParaRPr>
+            </a:p>
+          </p:txBody>
+        </p:sp>
+        <p:sp>
+          <p:nvSpPr>
+            <p:cNvPr id="20" name="사각형: 둥근 모서리 19">
+              <a:extLst>
+                <a:ext uri="{FF2B5EF4-FFF2-40B4-BE49-F238E27FC236}">
+                  <a16:creationId xmlns:a16="http://schemas.microsoft.com/office/drawing/2014/main" id="{B8F90FDE-FA34-48E3-9720-C0C45C302CE9}"/>
+                </a:ext>
+              </a:extLst>
+            </p:cNvPr>
+            <p:cNvSpPr/>
+            <p:nvPr/>
+          </p:nvSpPr>
+          <p:spPr>
+            <a:xfrm>
+              <a:off x="6667500" y="4886752"/>
+              <a:ext cx="1770186" cy="1104228"/>
+            </a:xfrm>
+            <a:prstGeom prst="roundRect">
+              <a:avLst>
+                <a:gd name="adj" fmla="val 9341"/>
+              </a:avLst>
+            </a:prstGeom>
+            <a:solidFill>
+              <a:schemeClr val="bg1">
+                <a:lumMod val="95000"/>
+              </a:schemeClr>
+            </a:solidFill>
+            <a:ln>
+              <a:solidFill>
+                <a:schemeClr val="bg1">
+                  <a:lumMod val="75000"/>
+                </a:schemeClr>
+              </a:solidFill>
+            </a:ln>
+          </p:spPr>
+          <p:style>
+            <a:lnRef idx="2">
+              <a:schemeClr val="accent1">
+                <a:shade val="50000"/>
+              </a:schemeClr>
+            </a:lnRef>
+            <a:fillRef idx="1">
+              <a:schemeClr val="accent1"/>
+            </a:fillRef>
+            <a:effectRef idx="0">
+              <a:schemeClr val="accent1"/>
+            </a:effectRef>
+            <a:fontRef idx="minor">
+              <a:schemeClr val="lt1"/>
+            </a:fontRef>
+          </p:style>
+          <p:txBody>
+            <a:bodyPr rtlCol="0" anchor="ctr"/>
+            <a:lstStyle/>
+            <a:p>
+              <a:pPr lvl="0" algn="ctr"/>
+              <a:r>
+                <a:rPr lang="en-US" altLang="ko-KR" sz="1200" dirty="0">
+                  <a:solidFill>
+                    <a:prstClr val="black"/>
+                  </a:solidFill>
+                  <a:latin typeface="나눔스퀘어 ExtraBold"/>
+                  <a:ea typeface="나눔스퀘어 ExtraBold"/>
+                </a:rPr>
+                <a:t>F1 score</a:t>
+              </a:r>
+              <a:endParaRPr lang="ko-KR" altLang="en-US" sz="1100" dirty="0">
+                <a:solidFill>
+                  <a:prstClr val="black"/>
+                </a:solidFill>
+              </a:endParaRPr>
+            </a:p>
+          </p:txBody>
+        </p:sp>
+        <p:cxnSp>
+          <p:nvCxnSpPr>
+            <p:cNvPr id="22" name="직선 화살표 연결선 21">
+              <a:extLst>
+                <a:ext uri="{FF2B5EF4-FFF2-40B4-BE49-F238E27FC236}">
+                  <a16:creationId xmlns:a16="http://schemas.microsoft.com/office/drawing/2014/main" id="{50AF1E14-55FE-41FC-9E6E-DC88D2D5F36A}"/>
+                </a:ext>
+              </a:extLst>
+            </p:cNvPr>
+            <p:cNvCxnSpPr>
+              <a:stCxn id="10" idx="3"/>
+              <a:endCxn id="14" idx="1"/>
+            </p:cNvCxnSpPr>
+            <p:nvPr/>
+          </p:nvCxnSpPr>
+          <p:spPr>
+            <a:xfrm>
+              <a:off x="2476499" y="3054686"/>
+              <a:ext cx="1210407" cy="0"/>
+            </a:xfrm>
+            <a:prstGeom prst="straightConnector1">
+              <a:avLst/>
+            </a:prstGeom>
+            <a:ln>
+              <a:solidFill>
+                <a:schemeClr val="tx1">
+                  <a:lumMod val="50000"/>
+                  <a:lumOff val="50000"/>
+                </a:schemeClr>
+              </a:solidFill>
+              <a:tailEnd type="stealth"/>
+            </a:ln>
+          </p:spPr>
+          <p:style>
+            <a:lnRef idx="1">
+              <a:schemeClr val="dk1"/>
+            </a:lnRef>
+            <a:fillRef idx="0">
+              <a:schemeClr val="dk1"/>
+            </a:fillRef>
+            <a:effectRef idx="0">
+              <a:schemeClr val="dk1"/>
+            </a:effectRef>
+            <a:fontRef idx="minor">
+              <a:schemeClr val="tx1"/>
+            </a:fontRef>
+          </p:style>
+        </p:cxnSp>
+        <p:cxnSp>
+          <p:nvCxnSpPr>
+            <p:cNvPr id="23" name="직선 화살표 연결선 22">
+              <a:extLst>
+                <a:ext uri="{FF2B5EF4-FFF2-40B4-BE49-F238E27FC236}">
+                  <a16:creationId xmlns:a16="http://schemas.microsoft.com/office/drawing/2014/main" id="{F50B804B-4571-497A-B903-62F42971F26F}"/>
+                </a:ext>
+              </a:extLst>
+            </p:cNvPr>
+            <p:cNvCxnSpPr>
+              <a:cxnSpLocks/>
+              <a:stCxn id="10" idx="3"/>
+              <a:endCxn id="15" idx="1"/>
+            </p:cNvCxnSpPr>
+            <p:nvPr/>
+          </p:nvCxnSpPr>
+          <p:spPr>
+            <a:xfrm>
+              <a:off x="2476499" y="3054686"/>
+              <a:ext cx="1210407" cy="1191999"/>
+            </a:xfrm>
+            <a:prstGeom prst="straightConnector1">
+              <a:avLst/>
+            </a:prstGeom>
+            <a:ln>
+              <a:solidFill>
+                <a:schemeClr val="tx1">
+                  <a:lumMod val="50000"/>
+                  <a:lumOff val="50000"/>
+                </a:schemeClr>
+              </a:solidFill>
+              <a:tailEnd type="stealth"/>
+            </a:ln>
+          </p:spPr>
+          <p:style>
+            <a:lnRef idx="1">
+              <a:schemeClr val="dk1"/>
+            </a:lnRef>
+            <a:fillRef idx="0">
+              <a:schemeClr val="dk1"/>
+            </a:fillRef>
+            <a:effectRef idx="0">
+              <a:schemeClr val="dk1"/>
+            </a:effectRef>
+            <a:fontRef idx="minor">
+              <a:schemeClr val="tx1"/>
+            </a:fontRef>
+          </p:style>
+        </p:cxnSp>
+        <p:cxnSp>
+          <p:nvCxnSpPr>
+            <p:cNvPr id="26" name="직선 화살표 연결선 25">
+              <a:extLst>
+                <a:ext uri="{FF2B5EF4-FFF2-40B4-BE49-F238E27FC236}">
+                  <a16:creationId xmlns:a16="http://schemas.microsoft.com/office/drawing/2014/main" id="{ED9F35F1-A3B4-4386-B38A-9B63245AF880}"/>
+                </a:ext>
+              </a:extLst>
+            </p:cNvPr>
+            <p:cNvCxnSpPr>
+              <a:cxnSpLocks/>
+              <a:stCxn id="10" idx="3"/>
+              <a:endCxn id="16" idx="1"/>
+            </p:cNvCxnSpPr>
+            <p:nvPr/>
+          </p:nvCxnSpPr>
+          <p:spPr>
+            <a:xfrm>
+              <a:off x="2476499" y="3054686"/>
+              <a:ext cx="1210407" cy="2384180"/>
+            </a:xfrm>
+            <a:prstGeom prst="straightConnector1">
+              <a:avLst/>
+            </a:prstGeom>
+            <a:ln>
+              <a:solidFill>
+                <a:schemeClr val="tx1">
+                  <a:lumMod val="50000"/>
+                  <a:lumOff val="50000"/>
+                </a:schemeClr>
+              </a:solidFill>
+              <a:tailEnd type="stealth"/>
+            </a:ln>
+          </p:spPr>
+          <p:style>
+            <a:lnRef idx="1">
+              <a:schemeClr val="dk1"/>
+            </a:lnRef>
+            <a:fillRef idx="0">
+              <a:schemeClr val="dk1"/>
+            </a:fillRef>
+            <a:effectRef idx="0">
+              <a:schemeClr val="dk1"/>
+            </a:effectRef>
+            <a:fontRef idx="minor">
+              <a:schemeClr val="tx1"/>
+            </a:fontRef>
+          </p:style>
+        </p:cxnSp>
+        <p:cxnSp>
+          <p:nvCxnSpPr>
+            <p:cNvPr id="29" name="직선 화살표 연결선 28">
+              <a:extLst>
+                <a:ext uri="{FF2B5EF4-FFF2-40B4-BE49-F238E27FC236}">
+                  <a16:creationId xmlns:a16="http://schemas.microsoft.com/office/drawing/2014/main" id="{E44A866C-E306-4FB8-BD01-97621D492FAD}"/>
+                </a:ext>
+              </a:extLst>
+            </p:cNvPr>
+            <p:cNvCxnSpPr>
+              <a:cxnSpLocks/>
+              <a:stCxn id="11" idx="3"/>
+              <a:endCxn id="15" idx="1"/>
+            </p:cNvCxnSpPr>
+            <p:nvPr/>
+          </p:nvCxnSpPr>
+          <p:spPr>
+            <a:xfrm>
+              <a:off x="2476499" y="4246685"/>
+              <a:ext cx="1210407" cy="0"/>
+            </a:xfrm>
+            <a:prstGeom prst="straightConnector1">
+              <a:avLst/>
+            </a:prstGeom>
+            <a:ln>
+              <a:solidFill>
+                <a:schemeClr val="tx1">
+                  <a:lumMod val="50000"/>
+                  <a:lumOff val="50000"/>
+                </a:schemeClr>
+              </a:solidFill>
+              <a:tailEnd type="stealth"/>
+            </a:ln>
+          </p:spPr>
+          <p:style>
+            <a:lnRef idx="1">
+              <a:schemeClr val="dk1"/>
+            </a:lnRef>
+            <a:fillRef idx="0">
+              <a:schemeClr val="dk1"/>
+            </a:fillRef>
+            <a:effectRef idx="0">
+              <a:schemeClr val="dk1"/>
+            </a:effectRef>
+            <a:fontRef idx="minor">
+              <a:schemeClr val="tx1"/>
+            </a:fontRef>
+          </p:style>
+        </p:cxnSp>
+        <p:cxnSp>
+          <p:nvCxnSpPr>
+            <p:cNvPr id="30" name="직선 화살표 연결선 29">
+              <a:extLst>
+                <a:ext uri="{FF2B5EF4-FFF2-40B4-BE49-F238E27FC236}">
+                  <a16:creationId xmlns:a16="http://schemas.microsoft.com/office/drawing/2014/main" id="{2621303B-3CDD-4F07-8BF7-862767BD46B0}"/>
+                </a:ext>
+              </a:extLst>
+            </p:cNvPr>
+            <p:cNvCxnSpPr>
+              <a:cxnSpLocks/>
+              <a:stCxn id="11" idx="3"/>
+              <a:endCxn id="14" idx="1"/>
+            </p:cNvCxnSpPr>
+            <p:nvPr/>
+          </p:nvCxnSpPr>
+          <p:spPr>
+            <a:xfrm flipV="1">
+              <a:off x="2476499" y="3054686"/>
+              <a:ext cx="1210407" cy="1191999"/>
+            </a:xfrm>
+            <a:prstGeom prst="straightConnector1">
+              <a:avLst/>
+            </a:prstGeom>
+            <a:ln>
+              <a:solidFill>
+                <a:schemeClr val="tx1">
+                  <a:lumMod val="50000"/>
+                  <a:lumOff val="50000"/>
+                </a:schemeClr>
+              </a:solidFill>
+              <a:tailEnd type="stealth"/>
+            </a:ln>
+          </p:spPr>
+          <p:style>
+            <a:lnRef idx="1">
+              <a:schemeClr val="dk1"/>
+            </a:lnRef>
+            <a:fillRef idx="0">
+              <a:schemeClr val="dk1"/>
+            </a:fillRef>
+            <a:effectRef idx="0">
+              <a:schemeClr val="dk1"/>
+            </a:effectRef>
+            <a:fontRef idx="minor">
+              <a:schemeClr val="tx1"/>
+            </a:fontRef>
+          </p:style>
+        </p:cxnSp>
+        <p:cxnSp>
+          <p:nvCxnSpPr>
+            <p:cNvPr id="31" name="직선 화살표 연결선 30">
+              <a:extLst>
+                <a:ext uri="{FF2B5EF4-FFF2-40B4-BE49-F238E27FC236}">
+                  <a16:creationId xmlns:a16="http://schemas.microsoft.com/office/drawing/2014/main" id="{9BC3AC9A-486E-42F9-A4B3-B69C6D586139}"/>
+                </a:ext>
+              </a:extLst>
+            </p:cNvPr>
+            <p:cNvCxnSpPr>
+              <a:cxnSpLocks/>
+              <a:stCxn id="11" idx="3"/>
+              <a:endCxn id="16" idx="1"/>
+            </p:cNvCxnSpPr>
+            <p:nvPr/>
+          </p:nvCxnSpPr>
+          <p:spPr>
+            <a:xfrm>
+              <a:off x="2476499" y="4246685"/>
+              <a:ext cx="1210407" cy="1192181"/>
+            </a:xfrm>
+            <a:prstGeom prst="straightConnector1">
+              <a:avLst/>
+            </a:prstGeom>
+            <a:ln>
+              <a:solidFill>
+                <a:schemeClr val="tx1">
+                  <a:lumMod val="50000"/>
+                  <a:lumOff val="50000"/>
+                </a:schemeClr>
+              </a:solidFill>
+              <a:tailEnd type="stealth"/>
+            </a:ln>
+          </p:spPr>
+          <p:style>
+            <a:lnRef idx="1">
+              <a:schemeClr val="dk1"/>
+            </a:lnRef>
+            <a:fillRef idx="0">
+              <a:schemeClr val="dk1"/>
+            </a:fillRef>
+            <a:effectRef idx="0">
+              <a:schemeClr val="dk1"/>
+            </a:effectRef>
+            <a:fontRef idx="minor">
+              <a:schemeClr val="tx1"/>
+            </a:fontRef>
+          </p:style>
+        </p:cxnSp>
+        <p:cxnSp>
+          <p:nvCxnSpPr>
+            <p:cNvPr id="39" name="직선 화살표 연결선 38">
+              <a:extLst>
+                <a:ext uri="{FF2B5EF4-FFF2-40B4-BE49-F238E27FC236}">
+                  <a16:creationId xmlns:a16="http://schemas.microsoft.com/office/drawing/2014/main" id="{BAB84AEF-040A-4FF1-9F83-68BB363A70B2}"/>
+                </a:ext>
+              </a:extLst>
+            </p:cNvPr>
+            <p:cNvCxnSpPr>
+              <a:cxnSpLocks/>
+              <a:stCxn id="12" idx="3"/>
+              <a:endCxn id="16" idx="1"/>
+            </p:cNvCxnSpPr>
+            <p:nvPr/>
+          </p:nvCxnSpPr>
+          <p:spPr>
+            <a:xfrm>
+              <a:off x="2476499" y="5438866"/>
+              <a:ext cx="1210407" cy="0"/>
+            </a:xfrm>
+            <a:prstGeom prst="straightConnector1">
+              <a:avLst/>
+            </a:prstGeom>
+            <a:ln>
+              <a:solidFill>
+                <a:schemeClr val="tx1">
+                  <a:lumMod val="50000"/>
+                  <a:lumOff val="50000"/>
+                </a:schemeClr>
+              </a:solidFill>
+              <a:tailEnd type="stealth"/>
+            </a:ln>
+          </p:spPr>
+          <p:style>
+            <a:lnRef idx="1">
+              <a:schemeClr val="dk1"/>
+            </a:lnRef>
+            <a:fillRef idx="0">
+              <a:schemeClr val="dk1"/>
+            </a:fillRef>
+            <a:effectRef idx="0">
+              <a:schemeClr val="dk1"/>
+            </a:effectRef>
+            <a:fontRef idx="minor">
+              <a:schemeClr val="tx1"/>
+            </a:fontRef>
+          </p:style>
+        </p:cxnSp>
+        <p:cxnSp>
+          <p:nvCxnSpPr>
+            <p:cNvPr id="40" name="직선 화살표 연결선 39">
+              <a:extLst>
+                <a:ext uri="{FF2B5EF4-FFF2-40B4-BE49-F238E27FC236}">
+                  <a16:creationId xmlns:a16="http://schemas.microsoft.com/office/drawing/2014/main" id="{6348983D-C5D0-4C67-AB8F-E7C7A72FB532}"/>
+                </a:ext>
+              </a:extLst>
+            </p:cNvPr>
+            <p:cNvCxnSpPr>
+              <a:cxnSpLocks/>
+              <a:stCxn id="12" idx="3"/>
+              <a:endCxn id="15" idx="1"/>
+            </p:cNvCxnSpPr>
+            <p:nvPr/>
+          </p:nvCxnSpPr>
+          <p:spPr>
+            <a:xfrm flipV="1">
+              <a:off x="2476499" y="4246685"/>
+              <a:ext cx="1210407" cy="1192181"/>
+            </a:xfrm>
+            <a:prstGeom prst="straightConnector1">
+              <a:avLst/>
+            </a:prstGeom>
+            <a:ln>
+              <a:solidFill>
+                <a:schemeClr val="tx1">
+                  <a:lumMod val="50000"/>
+                  <a:lumOff val="50000"/>
+                </a:schemeClr>
+              </a:solidFill>
+              <a:tailEnd type="stealth"/>
+            </a:ln>
+          </p:spPr>
+          <p:style>
+            <a:lnRef idx="1">
+              <a:schemeClr val="dk1"/>
+            </a:lnRef>
+            <a:fillRef idx="0">
+              <a:schemeClr val="dk1"/>
+            </a:fillRef>
+            <a:effectRef idx="0">
+              <a:schemeClr val="dk1"/>
+            </a:effectRef>
+            <a:fontRef idx="minor">
+              <a:schemeClr val="tx1"/>
+            </a:fontRef>
+          </p:style>
+        </p:cxnSp>
+        <p:cxnSp>
+          <p:nvCxnSpPr>
+            <p:cNvPr id="41" name="직선 화살표 연결선 40">
+              <a:extLst>
+                <a:ext uri="{FF2B5EF4-FFF2-40B4-BE49-F238E27FC236}">
+                  <a16:creationId xmlns:a16="http://schemas.microsoft.com/office/drawing/2014/main" id="{15AD263A-9665-481F-99A7-813750B4FC0C}"/>
+                </a:ext>
+              </a:extLst>
+            </p:cNvPr>
+            <p:cNvCxnSpPr>
+              <a:cxnSpLocks/>
+              <a:stCxn id="12" idx="3"/>
+              <a:endCxn id="14" idx="1"/>
+            </p:cNvCxnSpPr>
+            <p:nvPr/>
+          </p:nvCxnSpPr>
+          <p:spPr>
+            <a:xfrm flipV="1">
+              <a:off x="2476499" y="3054686"/>
+              <a:ext cx="1210407" cy="2384180"/>
+            </a:xfrm>
+            <a:prstGeom prst="straightConnector1">
+              <a:avLst/>
+            </a:prstGeom>
+            <a:ln>
+              <a:solidFill>
+                <a:schemeClr val="tx1">
+                  <a:lumMod val="50000"/>
+                  <a:lumOff val="50000"/>
+                </a:schemeClr>
+              </a:solidFill>
+              <a:tailEnd type="stealth"/>
+            </a:ln>
+          </p:spPr>
+          <p:style>
+            <a:lnRef idx="1">
+              <a:schemeClr val="dk1"/>
+            </a:lnRef>
+            <a:fillRef idx="0">
+              <a:schemeClr val="dk1"/>
+            </a:fillRef>
+            <a:effectRef idx="0">
+              <a:schemeClr val="dk1"/>
+            </a:effectRef>
+            <a:fontRef idx="minor">
+              <a:schemeClr val="tx1"/>
+            </a:fontRef>
+          </p:style>
+        </p:cxnSp>
+        <p:cxnSp>
+          <p:nvCxnSpPr>
+            <p:cNvPr id="49" name="직선 화살표 연결선 48">
+              <a:extLst>
+                <a:ext uri="{FF2B5EF4-FFF2-40B4-BE49-F238E27FC236}">
+                  <a16:creationId xmlns:a16="http://schemas.microsoft.com/office/drawing/2014/main" id="{3D56B76E-A54C-4B60-A7C9-2AE0AD392672}"/>
+                </a:ext>
+              </a:extLst>
+            </p:cNvPr>
+            <p:cNvCxnSpPr>
+              <a:cxnSpLocks/>
+              <a:stCxn id="14" idx="3"/>
+              <a:endCxn id="18" idx="1"/>
+            </p:cNvCxnSpPr>
+            <p:nvPr/>
+          </p:nvCxnSpPr>
+          <p:spPr>
+            <a:xfrm>
+              <a:off x="5457092" y="3054686"/>
+              <a:ext cx="1210408" cy="0"/>
+            </a:xfrm>
+            <a:prstGeom prst="straightConnector1">
+              <a:avLst/>
+            </a:prstGeom>
+            <a:ln>
+              <a:solidFill>
+                <a:schemeClr val="tx1">
+                  <a:lumMod val="50000"/>
+                  <a:lumOff val="50000"/>
+                </a:schemeClr>
+              </a:solidFill>
+              <a:tailEnd type="stealth"/>
+            </a:ln>
+          </p:spPr>
+          <p:style>
+            <a:lnRef idx="1">
+              <a:schemeClr val="dk1"/>
+            </a:lnRef>
+            <a:fillRef idx="0">
+              <a:schemeClr val="dk1"/>
+            </a:fillRef>
+            <a:effectRef idx="0">
+              <a:schemeClr val="dk1"/>
+            </a:effectRef>
+            <a:fontRef idx="minor">
+              <a:schemeClr val="tx1"/>
+            </a:fontRef>
+          </p:style>
+        </p:cxnSp>
+        <p:cxnSp>
+          <p:nvCxnSpPr>
+            <p:cNvPr id="52" name="직선 화살표 연결선 51">
+              <a:extLst>
+                <a:ext uri="{FF2B5EF4-FFF2-40B4-BE49-F238E27FC236}">
+                  <a16:creationId xmlns:a16="http://schemas.microsoft.com/office/drawing/2014/main" id="{D016798D-0142-4997-8354-738C841BAB6A}"/>
+                </a:ext>
+              </a:extLst>
+            </p:cNvPr>
+            <p:cNvCxnSpPr>
+              <a:cxnSpLocks/>
+              <a:stCxn id="14" idx="3"/>
+              <a:endCxn id="19" idx="1"/>
+            </p:cNvCxnSpPr>
+            <p:nvPr/>
+          </p:nvCxnSpPr>
+          <p:spPr>
+            <a:xfrm>
+              <a:off x="5457092" y="3054686"/>
+              <a:ext cx="1210408" cy="1191999"/>
+            </a:xfrm>
+            <a:prstGeom prst="straightConnector1">
+              <a:avLst/>
+            </a:prstGeom>
+            <a:ln>
+              <a:solidFill>
+                <a:schemeClr val="tx1">
+                  <a:lumMod val="50000"/>
+                  <a:lumOff val="50000"/>
+                </a:schemeClr>
+              </a:solidFill>
+              <a:tailEnd type="stealth"/>
+            </a:ln>
+          </p:spPr>
+          <p:style>
+            <a:lnRef idx="1">
+              <a:schemeClr val="dk1"/>
+            </a:lnRef>
+            <a:fillRef idx="0">
+              <a:schemeClr val="dk1"/>
+            </a:fillRef>
+            <a:effectRef idx="0">
+              <a:schemeClr val="dk1"/>
+            </a:effectRef>
+            <a:fontRef idx="minor">
+              <a:schemeClr val="tx1"/>
+            </a:fontRef>
+          </p:style>
+        </p:cxnSp>
+        <p:cxnSp>
+          <p:nvCxnSpPr>
+            <p:cNvPr id="56" name="직선 화살표 연결선 55">
+              <a:extLst>
+                <a:ext uri="{FF2B5EF4-FFF2-40B4-BE49-F238E27FC236}">
+                  <a16:creationId xmlns:a16="http://schemas.microsoft.com/office/drawing/2014/main" id="{8385C41C-F9A4-426B-AC08-CF96E69D2F39}"/>
+                </a:ext>
+              </a:extLst>
+            </p:cNvPr>
+            <p:cNvCxnSpPr>
+              <a:cxnSpLocks/>
+              <a:stCxn id="14" idx="3"/>
+              <a:endCxn id="20" idx="1"/>
+            </p:cNvCxnSpPr>
+            <p:nvPr/>
+          </p:nvCxnSpPr>
+          <p:spPr>
+            <a:xfrm>
+              <a:off x="5457092" y="3054686"/>
+              <a:ext cx="1210408" cy="2384180"/>
+            </a:xfrm>
+            <a:prstGeom prst="straightConnector1">
+              <a:avLst/>
+            </a:prstGeom>
+            <a:ln>
+              <a:solidFill>
+                <a:schemeClr val="tx1">
+                  <a:lumMod val="50000"/>
+                  <a:lumOff val="50000"/>
+                </a:schemeClr>
+              </a:solidFill>
+              <a:tailEnd type="stealth"/>
+            </a:ln>
+          </p:spPr>
+          <p:style>
+            <a:lnRef idx="1">
+              <a:schemeClr val="dk1"/>
+            </a:lnRef>
+            <a:fillRef idx="0">
+              <a:schemeClr val="dk1"/>
+            </a:fillRef>
+            <a:effectRef idx="0">
+              <a:schemeClr val="dk1"/>
+            </a:effectRef>
+            <a:fontRef idx="minor">
+              <a:schemeClr val="tx1"/>
+            </a:fontRef>
+          </p:style>
+        </p:cxnSp>
+        <p:cxnSp>
+          <p:nvCxnSpPr>
+            <p:cNvPr id="59" name="직선 화살표 연결선 58">
+              <a:extLst>
+                <a:ext uri="{FF2B5EF4-FFF2-40B4-BE49-F238E27FC236}">
+                  <a16:creationId xmlns:a16="http://schemas.microsoft.com/office/drawing/2014/main" id="{6500C0CC-3D9B-47EA-AB73-A0487E517194}"/>
+                </a:ext>
+              </a:extLst>
+            </p:cNvPr>
+            <p:cNvCxnSpPr>
+              <a:cxnSpLocks/>
+              <a:stCxn id="15" idx="3"/>
+              <a:endCxn id="20" idx="1"/>
+            </p:cNvCxnSpPr>
+            <p:nvPr/>
+          </p:nvCxnSpPr>
+          <p:spPr>
+            <a:xfrm>
+              <a:off x="5457092" y="4246685"/>
+              <a:ext cx="1210408" cy="1192181"/>
+            </a:xfrm>
+            <a:prstGeom prst="straightConnector1">
+              <a:avLst/>
+            </a:prstGeom>
+            <a:ln>
+              <a:solidFill>
+                <a:schemeClr val="tx1">
+                  <a:lumMod val="50000"/>
+                  <a:lumOff val="50000"/>
+                </a:schemeClr>
+              </a:solidFill>
+              <a:tailEnd type="stealth"/>
+            </a:ln>
+          </p:spPr>
+          <p:style>
+            <a:lnRef idx="1">
+              <a:schemeClr val="dk1"/>
+            </a:lnRef>
+            <a:fillRef idx="0">
+              <a:schemeClr val="dk1"/>
+            </a:fillRef>
+            <a:effectRef idx="0">
+              <a:schemeClr val="dk1"/>
+            </a:effectRef>
+            <a:fontRef idx="minor">
+              <a:schemeClr val="tx1"/>
+            </a:fontRef>
+          </p:style>
+        </p:cxnSp>
+        <p:cxnSp>
+          <p:nvCxnSpPr>
+            <p:cNvPr id="62" name="직선 화살표 연결선 61">
+              <a:extLst>
+                <a:ext uri="{FF2B5EF4-FFF2-40B4-BE49-F238E27FC236}">
+                  <a16:creationId xmlns:a16="http://schemas.microsoft.com/office/drawing/2014/main" id="{3E1B8869-1524-4672-A372-89A419CF1FB1}"/>
+                </a:ext>
+              </a:extLst>
+            </p:cNvPr>
+            <p:cNvCxnSpPr>
+              <a:cxnSpLocks/>
+              <a:stCxn id="15" idx="3"/>
+              <a:endCxn id="19" idx="1"/>
+            </p:cNvCxnSpPr>
+            <p:nvPr/>
+          </p:nvCxnSpPr>
+          <p:spPr>
+            <a:xfrm>
+              <a:off x="5457092" y="4246685"/>
+              <a:ext cx="1210408" cy="0"/>
+            </a:xfrm>
+            <a:prstGeom prst="straightConnector1">
+              <a:avLst/>
+            </a:prstGeom>
+            <a:ln>
+              <a:solidFill>
+                <a:schemeClr val="tx1">
+                  <a:lumMod val="50000"/>
+                  <a:lumOff val="50000"/>
+                </a:schemeClr>
+              </a:solidFill>
+              <a:tailEnd type="stealth"/>
+            </a:ln>
+          </p:spPr>
+          <p:style>
+            <a:lnRef idx="1">
+              <a:schemeClr val="dk1"/>
+            </a:lnRef>
+            <a:fillRef idx="0">
+              <a:schemeClr val="dk1"/>
+            </a:fillRef>
+            <a:effectRef idx="0">
+              <a:schemeClr val="dk1"/>
+            </a:effectRef>
+            <a:fontRef idx="minor">
+              <a:schemeClr val="tx1"/>
+            </a:fontRef>
+          </p:style>
+        </p:cxnSp>
+        <p:cxnSp>
+          <p:nvCxnSpPr>
+            <p:cNvPr id="65" name="직선 화살표 연결선 64">
+              <a:extLst>
+                <a:ext uri="{FF2B5EF4-FFF2-40B4-BE49-F238E27FC236}">
+                  <a16:creationId xmlns:a16="http://schemas.microsoft.com/office/drawing/2014/main" id="{C5F805D5-E5BC-46A5-9653-D918A772EA8D}"/>
+                </a:ext>
+              </a:extLst>
+            </p:cNvPr>
+            <p:cNvCxnSpPr>
+              <a:cxnSpLocks/>
+              <a:stCxn id="15" idx="3"/>
+              <a:endCxn id="18" idx="1"/>
+            </p:cNvCxnSpPr>
+            <p:nvPr/>
+          </p:nvCxnSpPr>
+          <p:spPr>
+            <a:xfrm flipV="1">
+              <a:off x="5457092" y="3054686"/>
+              <a:ext cx="1210408" cy="1191999"/>
+            </a:xfrm>
+            <a:prstGeom prst="straightConnector1">
+              <a:avLst/>
+            </a:prstGeom>
+            <a:ln>
+              <a:solidFill>
+                <a:schemeClr val="tx1">
+                  <a:lumMod val="50000"/>
+                  <a:lumOff val="50000"/>
+                </a:schemeClr>
+              </a:solidFill>
+              <a:tailEnd type="stealth"/>
+            </a:ln>
+          </p:spPr>
+          <p:style>
+            <a:lnRef idx="1">
+              <a:schemeClr val="dk1"/>
+            </a:lnRef>
+            <a:fillRef idx="0">
+              <a:schemeClr val="dk1"/>
+            </a:fillRef>
+            <a:effectRef idx="0">
+              <a:schemeClr val="dk1"/>
+            </a:effectRef>
+            <a:fontRef idx="minor">
+              <a:schemeClr val="tx1"/>
+            </a:fontRef>
+          </p:style>
+        </p:cxnSp>
+        <p:cxnSp>
+          <p:nvCxnSpPr>
+            <p:cNvPr id="69" name="직선 화살표 연결선 68">
+              <a:extLst>
+                <a:ext uri="{FF2B5EF4-FFF2-40B4-BE49-F238E27FC236}">
+                  <a16:creationId xmlns:a16="http://schemas.microsoft.com/office/drawing/2014/main" id="{5CB82A32-6EE2-428C-9A12-00F526B67962}"/>
+                </a:ext>
+              </a:extLst>
+            </p:cNvPr>
+            <p:cNvCxnSpPr>
+              <a:cxnSpLocks/>
+              <a:stCxn id="16" idx="3"/>
+              <a:endCxn id="18" idx="1"/>
+            </p:cNvCxnSpPr>
+            <p:nvPr/>
+          </p:nvCxnSpPr>
+          <p:spPr>
+            <a:xfrm flipV="1">
+              <a:off x="5457092" y="3054686"/>
+              <a:ext cx="1210408" cy="2384180"/>
+            </a:xfrm>
+            <a:prstGeom prst="straightConnector1">
+              <a:avLst/>
+            </a:prstGeom>
+            <a:ln>
+              <a:solidFill>
+                <a:schemeClr val="tx1">
+                  <a:lumMod val="50000"/>
+                  <a:lumOff val="50000"/>
+                </a:schemeClr>
+              </a:solidFill>
+              <a:tailEnd type="stealth"/>
+            </a:ln>
+          </p:spPr>
+          <p:style>
+            <a:lnRef idx="1">
+              <a:schemeClr val="dk1"/>
+            </a:lnRef>
+            <a:fillRef idx="0">
+              <a:schemeClr val="dk1"/>
+            </a:fillRef>
+            <a:effectRef idx="0">
+              <a:schemeClr val="dk1"/>
+            </a:effectRef>
+            <a:fontRef idx="minor">
+              <a:schemeClr val="tx1"/>
+            </a:fontRef>
+          </p:style>
+        </p:cxnSp>
+        <p:cxnSp>
+          <p:nvCxnSpPr>
+            <p:cNvPr id="72" name="직선 화살표 연결선 71">
+              <a:extLst>
+                <a:ext uri="{FF2B5EF4-FFF2-40B4-BE49-F238E27FC236}">
+                  <a16:creationId xmlns:a16="http://schemas.microsoft.com/office/drawing/2014/main" id="{D31CC46B-AF03-4331-9D4D-9EE4A22F21D7}"/>
+                </a:ext>
+              </a:extLst>
+            </p:cNvPr>
+            <p:cNvCxnSpPr>
+              <a:cxnSpLocks/>
+              <a:stCxn id="16" idx="3"/>
+              <a:endCxn id="19" idx="1"/>
+            </p:cNvCxnSpPr>
+            <p:nvPr/>
+          </p:nvCxnSpPr>
+          <p:spPr>
+            <a:xfrm flipV="1">
+              <a:off x="5457092" y="4246685"/>
+              <a:ext cx="1210408" cy="1192181"/>
+            </a:xfrm>
+            <a:prstGeom prst="straightConnector1">
+              <a:avLst/>
+            </a:prstGeom>
+            <a:ln>
+              <a:solidFill>
+                <a:schemeClr val="tx1">
+                  <a:lumMod val="50000"/>
+                  <a:lumOff val="50000"/>
+                </a:schemeClr>
+              </a:solidFill>
+              <a:tailEnd type="stealth"/>
+            </a:ln>
+          </p:spPr>
+          <p:style>
+            <a:lnRef idx="1">
+              <a:schemeClr val="dk1"/>
+            </a:lnRef>
+            <a:fillRef idx="0">
+              <a:schemeClr val="dk1"/>
+            </a:fillRef>
+            <a:effectRef idx="0">
+              <a:schemeClr val="dk1"/>
+            </a:effectRef>
+            <a:fontRef idx="minor">
+              <a:schemeClr val="tx1"/>
+            </a:fontRef>
+          </p:style>
+        </p:cxnSp>
+        <p:cxnSp>
+          <p:nvCxnSpPr>
+            <p:cNvPr id="77" name="직선 화살표 연결선 76">
+              <a:extLst>
+                <a:ext uri="{FF2B5EF4-FFF2-40B4-BE49-F238E27FC236}">
+                  <a16:creationId xmlns:a16="http://schemas.microsoft.com/office/drawing/2014/main" id="{F7DA637C-AFC2-480D-A346-89543D13E3EA}"/>
+                </a:ext>
+              </a:extLst>
+            </p:cNvPr>
+            <p:cNvCxnSpPr>
+              <a:cxnSpLocks/>
+              <a:stCxn id="16" idx="3"/>
+              <a:endCxn id="20" idx="1"/>
+            </p:cNvCxnSpPr>
+            <p:nvPr/>
+          </p:nvCxnSpPr>
+          <p:spPr>
+            <a:xfrm>
+              <a:off x="5457092" y="5438866"/>
+              <a:ext cx="1210408" cy="0"/>
+            </a:xfrm>
+            <a:prstGeom prst="straightConnector1">
+              <a:avLst/>
+            </a:prstGeom>
+            <a:ln>
+              <a:solidFill>
+                <a:schemeClr val="tx1">
+                  <a:lumMod val="50000"/>
+                  <a:lumOff val="50000"/>
+                </a:schemeClr>
+              </a:solidFill>
+              <a:tailEnd type="stealth"/>
+            </a:ln>
+          </p:spPr>
+          <p:style>
+            <a:lnRef idx="1">
+              <a:schemeClr val="dk1"/>
+            </a:lnRef>
+            <a:fillRef idx="0">
+              <a:schemeClr val="dk1"/>
+            </a:fillRef>
+            <a:effectRef idx="0">
+              <a:schemeClr val="dk1"/>
+            </a:effectRef>
+            <a:fontRef idx="minor">
+              <a:schemeClr val="tx1"/>
+            </a:fontRef>
+          </p:style>
+        </p:cxnSp>
+      </p:grpSp>
+    </p:spTree>
+    <p:extLst>
+      <p:ext uri="{BB962C8B-B14F-4D97-AF65-F5344CB8AC3E}">
+        <p14:creationId xmlns:p14="http://schemas.microsoft.com/office/powerpoint/2010/main" val="2941381716"/>
       </p:ext>
     </p:extLst>
   </p:cSld>

--- a/project/image.pptx
+++ b/project/image.pptx
@@ -13,6 +13,9 @@
     <p:sldId id="258" r:id="rId7"/>
     <p:sldId id="257" r:id="rId8"/>
     <p:sldId id="263" r:id="rId9"/>
+    <p:sldId id="264" r:id="rId10"/>
+    <p:sldId id="265" r:id="rId11"/>
+    <p:sldId id="266" r:id="rId12"/>
   </p:sldIdLst>
   <p:sldSz cx="9144000" cy="6858000" type="screen4x3"/>
   <p:notesSz cx="6858000" cy="9144000"/>
@@ -3771,6 +3774,500 @@
 </p:sld>
 </file>
 
+<file path=ppt/slides/slide10.xml><?xml version="1.0" encoding="utf-8"?>
+<p:sld xmlns:a="http://schemas.openxmlformats.org/drawingml/2006/main" xmlns:r="http://schemas.openxmlformats.org/officeDocument/2006/relationships" xmlns:p="http://schemas.openxmlformats.org/presentationml/2006/main">
+  <p:cSld>
+    <p:spTree>
+      <p:nvGrpSpPr>
+        <p:cNvPr id="1" name=""/>
+        <p:cNvGrpSpPr/>
+        <p:nvPr/>
+      </p:nvGrpSpPr>
+      <p:grpSpPr>
+        <a:xfrm>
+          <a:off x="0" y="0"/>
+          <a:ext cx="0" cy="0"/>
+          <a:chOff x="0" y="0"/>
+          <a:chExt cx="0" cy="0"/>
+        </a:xfrm>
+      </p:grpSpPr>
+      <p:sp>
+        <p:nvSpPr>
+          <p:cNvPr id="2" name="제목 1">
+            <a:extLst>
+              <a:ext uri="{FF2B5EF4-FFF2-40B4-BE49-F238E27FC236}">
+                <a16:creationId xmlns:a16="http://schemas.microsoft.com/office/drawing/2014/main" id="{8C80F72C-6BB4-44D0-9C01-0DE6BD759981}"/>
+              </a:ext>
+            </a:extLst>
+          </p:cNvPr>
+          <p:cNvSpPr>
+            <a:spLocks noGrp="1"/>
+          </p:cNvSpPr>
+          <p:nvPr>
+            <p:ph type="title"/>
+          </p:nvPr>
+        </p:nvSpPr>
+        <p:spPr/>
+        <p:txBody>
+          <a:bodyPr/>
+          <a:lstStyle/>
+          <a:p>
+            <a:r>
+              <a:rPr lang="en-US" altLang="ko-KR" dirty="0"/>
+              <a:t>Seoul</a:t>
+            </a:r>
+            <a:endParaRPr lang="ko-KR" altLang="en-US" dirty="0"/>
+          </a:p>
+        </p:txBody>
+      </p:sp>
+      <p:grpSp>
+        <p:nvGrpSpPr>
+          <p:cNvPr id="11" name="그룹 10">
+            <a:extLst>
+              <a:ext uri="{FF2B5EF4-FFF2-40B4-BE49-F238E27FC236}">
+                <a16:creationId xmlns:a16="http://schemas.microsoft.com/office/drawing/2014/main" id="{78895AAB-1285-4819-A15D-880BDBDBCD52}"/>
+              </a:ext>
+            </a:extLst>
+          </p:cNvPr>
+          <p:cNvGrpSpPr/>
+          <p:nvPr/>
+        </p:nvGrpSpPr>
+        <p:grpSpPr>
+          <a:xfrm>
+            <a:off x="-195082" y="1536700"/>
+            <a:ext cx="9534164" cy="3495551"/>
+            <a:chOff x="-195082" y="1536700"/>
+            <a:chExt cx="9534164" cy="3495551"/>
+          </a:xfrm>
+        </p:grpSpPr>
+        <p:grpSp>
+          <p:nvGrpSpPr>
+            <p:cNvPr id="8" name="그룹 7">
+              <a:extLst>
+                <a:ext uri="{FF2B5EF4-FFF2-40B4-BE49-F238E27FC236}">
+                  <a16:creationId xmlns:a16="http://schemas.microsoft.com/office/drawing/2014/main" id="{FD966C0B-42FC-48E9-92E1-675517ECE191}"/>
+                </a:ext>
+              </a:extLst>
+            </p:cNvPr>
+            <p:cNvGrpSpPr/>
+            <p:nvPr/>
+          </p:nvGrpSpPr>
+          <p:grpSpPr>
+            <a:xfrm>
+              <a:off x="-195082" y="1825748"/>
+              <a:ext cx="9534164" cy="3206503"/>
+              <a:chOff x="-195082" y="1825748"/>
+              <a:chExt cx="9534164" cy="3206503"/>
+            </a:xfrm>
+          </p:grpSpPr>
+          <p:pic>
+            <p:nvPicPr>
+              <p:cNvPr id="5" name="그림 4">
+                <a:extLst>
+                  <a:ext uri="{FF2B5EF4-FFF2-40B4-BE49-F238E27FC236}">
+                    <a16:creationId xmlns:a16="http://schemas.microsoft.com/office/drawing/2014/main" id="{ACCEBEAD-6001-492F-8F96-7FC7698CD166}"/>
+                  </a:ext>
+                </a:extLst>
+              </p:cNvPr>
+              <p:cNvPicPr>
+                <a:picLocks noChangeAspect="1"/>
+              </p:cNvPicPr>
+              <p:nvPr/>
+            </p:nvPicPr>
+            <p:blipFill>
+              <a:blip r:embed="rId2">
+                <a:extLst>
+                  <a:ext uri="{28A0092B-C50C-407E-A947-70E740481C1C}">
+                    <a14:useLocalDpi xmlns:a14="http://schemas.microsoft.com/office/drawing/2010/main" val="0"/>
+                  </a:ext>
+                </a:extLst>
+              </a:blip>
+              <a:stretch>
+                <a:fillRect/>
+              </a:stretch>
+            </p:blipFill>
+            <p:spPr>
+              <a:xfrm>
+                <a:off x="4572000" y="1825748"/>
+                <a:ext cx="4767082" cy="3206503"/>
+              </a:xfrm>
+              <a:prstGeom prst="rect">
+                <a:avLst/>
+              </a:prstGeom>
+            </p:spPr>
+          </p:pic>
+          <p:pic>
+            <p:nvPicPr>
+              <p:cNvPr id="7" name="그림 6">
+                <a:extLst>
+                  <a:ext uri="{FF2B5EF4-FFF2-40B4-BE49-F238E27FC236}">
+                    <a16:creationId xmlns:a16="http://schemas.microsoft.com/office/drawing/2014/main" id="{5DF8B0A8-43CB-49E3-8FDC-D253625DE93A}"/>
+                  </a:ext>
+                </a:extLst>
+              </p:cNvPr>
+              <p:cNvPicPr>
+                <a:picLocks noChangeAspect="1"/>
+              </p:cNvPicPr>
+              <p:nvPr/>
+            </p:nvPicPr>
+            <p:blipFill>
+              <a:blip r:embed="rId3">
+                <a:extLst>
+                  <a:ext uri="{28A0092B-C50C-407E-A947-70E740481C1C}">
+                    <a14:useLocalDpi xmlns:a14="http://schemas.microsoft.com/office/drawing/2010/main" val="0"/>
+                  </a:ext>
+                </a:extLst>
+              </a:blip>
+              <a:stretch>
+                <a:fillRect/>
+              </a:stretch>
+            </p:blipFill>
+            <p:spPr>
+              <a:xfrm>
+                <a:off x="-195082" y="1825748"/>
+                <a:ext cx="4767082" cy="3206503"/>
+              </a:xfrm>
+              <a:prstGeom prst="rect">
+                <a:avLst/>
+              </a:prstGeom>
+            </p:spPr>
+          </p:pic>
+        </p:grpSp>
+        <p:sp>
+          <p:nvSpPr>
+            <p:cNvPr id="9" name="TextBox 8">
+              <a:extLst>
+                <a:ext uri="{FF2B5EF4-FFF2-40B4-BE49-F238E27FC236}">
+                  <a16:creationId xmlns:a16="http://schemas.microsoft.com/office/drawing/2014/main" id="{14BA0D21-D26C-4505-9C02-4F8DD0D5CFBA}"/>
+                </a:ext>
+              </a:extLst>
+            </p:cNvPr>
+            <p:cNvSpPr txBox="1"/>
+            <p:nvPr/>
+          </p:nvSpPr>
+          <p:spPr>
+            <a:xfrm>
+              <a:off x="2014061" y="1536700"/>
+              <a:ext cx="412292" cy="307777"/>
+            </a:xfrm>
+            <a:prstGeom prst="rect">
+              <a:avLst/>
+            </a:prstGeom>
+            <a:noFill/>
+          </p:spPr>
+          <p:txBody>
+            <a:bodyPr wrap="none" rtlCol="0">
+              <a:spAutoFit/>
+            </a:bodyPr>
+            <a:lstStyle/>
+            <a:p>
+              <a:pPr algn="ctr"/>
+              <a:r>
+                <a:rPr lang="en-US" altLang="ko-KR" sz="1400" b="1" dirty="0"/>
+                <a:t>DT</a:t>
+              </a:r>
+              <a:endParaRPr lang="ko-KR" altLang="en-US" sz="1400" b="1" dirty="0"/>
+            </a:p>
+          </p:txBody>
+        </p:sp>
+        <p:sp>
+          <p:nvSpPr>
+            <p:cNvPr id="10" name="TextBox 9">
+              <a:extLst>
+                <a:ext uri="{FF2B5EF4-FFF2-40B4-BE49-F238E27FC236}">
+                  <a16:creationId xmlns:a16="http://schemas.microsoft.com/office/drawing/2014/main" id="{39152782-7C3D-4AA1-A865-7F65F0CA1D3B}"/>
+                </a:ext>
+              </a:extLst>
+            </p:cNvPr>
+            <p:cNvSpPr txBox="1"/>
+            <p:nvPr/>
+          </p:nvSpPr>
+          <p:spPr>
+            <a:xfrm>
+              <a:off x="6968365" y="1536700"/>
+              <a:ext cx="386645" cy="307777"/>
+            </a:xfrm>
+            <a:prstGeom prst="rect">
+              <a:avLst/>
+            </a:prstGeom>
+            <a:noFill/>
+          </p:spPr>
+          <p:txBody>
+            <a:bodyPr wrap="none" rtlCol="0">
+              <a:spAutoFit/>
+            </a:bodyPr>
+            <a:lstStyle/>
+            <a:p>
+              <a:pPr algn="ctr"/>
+              <a:r>
+                <a:rPr lang="en-US" altLang="ko-KR" sz="1400" b="1" dirty="0"/>
+                <a:t>RF</a:t>
+              </a:r>
+              <a:endParaRPr lang="ko-KR" altLang="en-US" sz="1400" b="1" dirty="0"/>
+            </a:p>
+          </p:txBody>
+        </p:sp>
+      </p:grpSp>
+    </p:spTree>
+    <p:extLst>
+      <p:ext uri="{BB962C8B-B14F-4D97-AF65-F5344CB8AC3E}">
+        <p14:creationId xmlns:p14="http://schemas.microsoft.com/office/powerpoint/2010/main" val="461204553"/>
+      </p:ext>
+    </p:extLst>
+  </p:cSld>
+  <p:clrMapOvr>
+    <a:masterClrMapping/>
+  </p:clrMapOvr>
+</p:sld>
+</file>
+
+<file path=ppt/slides/slide11.xml><?xml version="1.0" encoding="utf-8"?>
+<p:sld xmlns:a="http://schemas.openxmlformats.org/drawingml/2006/main" xmlns:r="http://schemas.openxmlformats.org/officeDocument/2006/relationships" xmlns:p="http://schemas.openxmlformats.org/presentationml/2006/main">
+  <p:cSld>
+    <p:spTree>
+      <p:nvGrpSpPr>
+        <p:cNvPr id="1" name=""/>
+        <p:cNvGrpSpPr/>
+        <p:nvPr/>
+      </p:nvGrpSpPr>
+      <p:grpSpPr>
+        <a:xfrm>
+          <a:off x="0" y="0"/>
+          <a:ext cx="0" cy="0"/>
+          <a:chOff x="0" y="0"/>
+          <a:chExt cx="0" cy="0"/>
+        </a:xfrm>
+      </p:grpSpPr>
+      <p:sp>
+        <p:nvSpPr>
+          <p:cNvPr id="2" name="제목 1">
+            <a:extLst>
+              <a:ext uri="{FF2B5EF4-FFF2-40B4-BE49-F238E27FC236}">
+                <a16:creationId xmlns:a16="http://schemas.microsoft.com/office/drawing/2014/main" id="{BFCC52EB-BDA1-4D6D-8E59-64D82C3620D0}"/>
+              </a:ext>
+            </a:extLst>
+          </p:cNvPr>
+          <p:cNvSpPr>
+            <a:spLocks noGrp="1"/>
+          </p:cNvSpPr>
+          <p:nvPr>
+            <p:ph type="title"/>
+          </p:nvPr>
+        </p:nvSpPr>
+        <p:spPr/>
+        <p:txBody>
+          <a:bodyPr/>
+          <a:lstStyle/>
+          <a:p>
+            <a:r>
+              <a:rPr lang="en-US" altLang="ko-KR" dirty="0"/>
+              <a:t>Connect one</a:t>
+            </a:r>
+            <a:endParaRPr lang="ko-KR" altLang="en-US" dirty="0"/>
+          </a:p>
+        </p:txBody>
+      </p:sp>
+      <p:grpSp>
+        <p:nvGrpSpPr>
+          <p:cNvPr id="16" name="그룹 15">
+            <a:extLst>
+              <a:ext uri="{FF2B5EF4-FFF2-40B4-BE49-F238E27FC236}">
+                <a16:creationId xmlns:a16="http://schemas.microsoft.com/office/drawing/2014/main" id="{810B3289-A603-4204-B32D-8A8907456551}"/>
+              </a:ext>
+            </a:extLst>
+          </p:cNvPr>
+          <p:cNvGrpSpPr/>
+          <p:nvPr/>
+        </p:nvGrpSpPr>
+        <p:grpSpPr>
+          <a:xfrm>
+            <a:off x="-195082" y="1536700"/>
+            <a:ext cx="9534164" cy="3514280"/>
+            <a:chOff x="-195082" y="1536700"/>
+            <a:chExt cx="9534164" cy="3514280"/>
+          </a:xfrm>
+        </p:grpSpPr>
+        <p:grpSp>
+          <p:nvGrpSpPr>
+            <p:cNvPr id="13" name="그룹 12">
+              <a:extLst>
+                <a:ext uri="{FF2B5EF4-FFF2-40B4-BE49-F238E27FC236}">
+                  <a16:creationId xmlns:a16="http://schemas.microsoft.com/office/drawing/2014/main" id="{21E58CFC-5808-4F4D-B6E0-FF5C6C32C707}"/>
+                </a:ext>
+              </a:extLst>
+            </p:cNvPr>
+            <p:cNvGrpSpPr/>
+            <p:nvPr/>
+          </p:nvGrpSpPr>
+          <p:grpSpPr>
+            <a:xfrm>
+              <a:off x="-195082" y="1844477"/>
+              <a:ext cx="9534164" cy="3206503"/>
+              <a:chOff x="-195082" y="1825748"/>
+              <a:chExt cx="9534164" cy="3206503"/>
+            </a:xfrm>
+          </p:grpSpPr>
+          <p:pic>
+            <p:nvPicPr>
+              <p:cNvPr id="10" name="그림 9">
+                <a:extLst>
+                  <a:ext uri="{FF2B5EF4-FFF2-40B4-BE49-F238E27FC236}">
+                    <a16:creationId xmlns:a16="http://schemas.microsoft.com/office/drawing/2014/main" id="{93759A79-077B-42B6-A17A-A51BE42C500C}"/>
+                  </a:ext>
+                </a:extLst>
+              </p:cNvPr>
+              <p:cNvPicPr>
+                <a:picLocks noChangeAspect="1"/>
+              </p:cNvPicPr>
+              <p:nvPr/>
+            </p:nvPicPr>
+            <p:blipFill>
+              <a:blip r:embed="rId2">
+                <a:extLst>
+                  <a:ext uri="{28A0092B-C50C-407E-A947-70E740481C1C}">
+                    <a14:useLocalDpi xmlns:a14="http://schemas.microsoft.com/office/drawing/2010/main" val="0"/>
+                  </a:ext>
+                </a:extLst>
+              </a:blip>
+              <a:stretch>
+                <a:fillRect/>
+              </a:stretch>
+            </p:blipFill>
+            <p:spPr>
+              <a:xfrm>
+                <a:off x="4572000" y="1825748"/>
+                <a:ext cx="4767082" cy="3206503"/>
+              </a:xfrm>
+              <a:prstGeom prst="rect">
+                <a:avLst/>
+              </a:prstGeom>
+            </p:spPr>
+          </p:pic>
+          <p:pic>
+            <p:nvPicPr>
+              <p:cNvPr id="12" name="그림 11">
+                <a:extLst>
+                  <a:ext uri="{FF2B5EF4-FFF2-40B4-BE49-F238E27FC236}">
+                    <a16:creationId xmlns:a16="http://schemas.microsoft.com/office/drawing/2014/main" id="{50C9DF88-BCD2-40F8-991D-4833E835DBDC}"/>
+                  </a:ext>
+                </a:extLst>
+              </p:cNvPr>
+              <p:cNvPicPr>
+                <a:picLocks noChangeAspect="1"/>
+              </p:cNvPicPr>
+              <p:nvPr/>
+            </p:nvPicPr>
+            <p:blipFill>
+              <a:blip r:embed="rId3">
+                <a:extLst>
+                  <a:ext uri="{28A0092B-C50C-407E-A947-70E740481C1C}">
+                    <a14:useLocalDpi xmlns:a14="http://schemas.microsoft.com/office/drawing/2010/main" val="0"/>
+                  </a:ext>
+                </a:extLst>
+              </a:blip>
+              <a:stretch>
+                <a:fillRect/>
+              </a:stretch>
+            </p:blipFill>
+            <p:spPr>
+              <a:xfrm>
+                <a:off x="-195082" y="1825748"/>
+                <a:ext cx="4767082" cy="3206503"/>
+              </a:xfrm>
+              <a:prstGeom prst="rect">
+                <a:avLst/>
+              </a:prstGeom>
+            </p:spPr>
+          </p:pic>
+        </p:grpSp>
+        <p:sp>
+          <p:nvSpPr>
+            <p:cNvPr id="14" name="TextBox 13">
+              <a:extLst>
+                <a:ext uri="{FF2B5EF4-FFF2-40B4-BE49-F238E27FC236}">
+                  <a16:creationId xmlns:a16="http://schemas.microsoft.com/office/drawing/2014/main" id="{FAEBE616-5A91-404A-A030-D51D162AB765}"/>
+                </a:ext>
+              </a:extLst>
+            </p:cNvPr>
+            <p:cNvSpPr txBox="1"/>
+            <p:nvPr/>
+          </p:nvSpPr>
+          <p:spPr>
+            <a:xfrm>
+              <a:off x="2014061" y="1536700"/>
+              <a:ext cx="412292" cy="307777"/>
+            </a:xfrm>
+            <a:prstGeom prst="rect">
+              <a:avLst/>
+            </a:prstGeom>
+            <a:noFill/>
+          </p:spPr>
+          <p:txBody>
+            <a:bodyPr wrap="none" rtlCol="0">
+              <a:spAutoFit/>
+            </a:bodyPr>
+            <a:lstStyle/>
+            <a:p>
+              <a:pPr algn="ctr"/>
+              <a:r>
+                <a:rPr lang="en-US" altLang="ko-KR" sz="1400" b="1" dirty="0"/>
+                <a:t>DT</a:t>
+              </a:r>
+              <a:endParaRPr lang="ko-KR" altLang="en-US" sz="1400" b="1" dirty="0"/>
+            </a:p>
+          </p:txBody>
+        </p:sp>
+        <p:sp>
+          <p:nvSpPr>
+            <p:cNvPr id="15" name="TextBox 14">
+              <a:extLst>
+                <a:ext uri="{FF2B5EF4-FFF2-40B4-BE49-F238E27FC236}">
+                  <a16:creationId xmlns:a16="http://schemas.microsoft.com/office/drawing/2014/main" id="{E7ACDF30-5E8F-4671-8293-4A002195F492}"/>
+                </a:ext>
+              </a:extLst>
+            </p:cNvPr>
+            <p:cNvSpPr txBox="1"/>
+            <p:nvPr/>
+          </p:nvSpPr>
+          <p:spPr>
+            <a:xfrm>
+              <a:off x="6968365" y="1536700"/>
+              <a:ext cx="386645" cy="307777"/>
+            </a:xfrm>
+            <a:prstGeom prst="rect">
+              <a:avLst/>
+            </a:prstGeom>
+            <a:noFill/>
+          </p:spPr>
+          <p:txBody>
+            <a:bodyPr wrap="none" rtlCol="0">
+              <a:spAutoFit/>
+            </a:bodyPr>
+            <a:lstStyle/>
+            <a:p>
+              <a:pPr algn="ctr"/>
+              <a:r>
+                <a:rPr lang="en-US" altLang="ko-KR" sz="1400" b="1" dirty="0"/>
+                <a:t>RF</a:t>
+              </a:r>
+              <a:endParaRPr lang="ko-KR" altLang="en-US" sz="1400" b="1" dirty="0"/>
+            </a:p>
+          </p:txBody>
+        </p:sp>
+      </p:grpSp>
+    </p:spTree>
+    <p:extLst>
+      <p:ext uri="{BB962C8B-B14F-4D97-AF65-F5344CB8AC3E}">
+        <p14:creationId xmlns:p14="http://schemas.microsoft.com/office/powerpoint/2010/main" val="1856634793"/>
+      </p:ext>
+    </p:extLst>
+  </p:cSld>
+  <p:clrMapOvr>
+    <a:masterClrMapping/>
+  </p:clrMapOvr>
+</p:sld>
+</file>
+
 <file path=ppt/slides/slide2.xml><?xml version="1.0" encoding="utf-8"?>
 <p:sld xmlns:a="http://schemas.openxmlformats.org/drawingml/2006/main" xmlns:r="http://schemas.openxmlformats.org/officeDocument/2006/relationships" xmlns:p="http://schemas.openxmlformats.org/presentationml/2006/main">
   <p:cSld>
@@ -11341,6 +11838,154 @@
 </p:sld>
 </file>
 
+<file path=ppt/slides/slide9.xml><?xml version="1.0" encoding="utf-8"?>
+<p:sld xmlns:a="http://schemas.openxmlformats.org/drawingml/2006/main" xmlns:r="http://schemas.openxmlformats.org/officeDocument/2006/relationships" xmlns:p="http://schemas.openxmlformats.org/presentationml/2006/main">
+  <p:cSld>
+    <p:spTree>
+      <p:nvGrpSpPr>
+        <p:cNvPr id="1" name=""/>
+        <p:cNvGrpSpPr/>
+        <p:nvPr/>
+      </p:nvGrpSpPr>
+      <p:grpSpPr>
+        <a:xfrm>
+          <a:off x="0" y="0"/>
+          <a:ext cx="0" cy="0"/>
+          <a:chOff x="0" y="0"/>
+          <a:chExt cx="0" cy="0"/>
+        </a:xfrm>
+      </p:grpSpPr>
+      <p:sp>
+        <p:nvSpPr>
+          <p:cNvPr id="2" name="제목 1">
+            <a:extLst>
+              <a:ext uri="{FF2B5EF4-FFF2-40B4-BE49-F238E27FC236}">
+                <a16:creationId xmlns:a16="http://schemas.microsoft.com/office/drawing/2014/main" id="{AE0FE9D2-CDDB-457D-AFDF-B5CB4D138618}"/>
+              </a:ext>
+            </a:extLst>
+          </p:cNvPr>
+          <p:cNvSpPr>
+            <a:spLocks noGrp="1"/>
+          </p:cNvSpPr>
+          <p:nvPr>
+            <p:ph type="title"/>
+          </p:nvPr>
+        </p:nvSpPr>
+        <p:spPr/>
+        <p:txBody>
+          <a:bodyPr/>
+          <a:lstStyle/>
+          <a:p>
+            <a:endParaRPr lang="ko-KR" altLang="en-US"/>
+          </a:p>
+        </p:txBody>
+      </p:sp>
+      <p:grpSp>
+        <p:nvGrpSpPr>
+          <p:cNvPr id="12" name="그룹 11">
+            <a:extLst>
+              <a:ext uri="{FF2B5EF4-FFF2-40B4-BE49-F238E27FC236}">
+                <a16:creationId xmlns:a16="http://schemas.microsoft.com/office/drawing/2014/main" id="{E616F08D-EE47-4A8B-87CB-5056FBE66A4A}"/>
+              </a:ext>
+            </a:extLst>
+          </p:cNvPr>
+          <p:cNvGrpSpPr/>
+          <p:nvPr/>
+        </p:nvGrpSpPr>
+        <p:grpSpPr>
+          <a:xfrm>
+            <a:off x="-1222260" y="1822192"/>
+            <a:ext cx="11588520" cy="3569215"/>
+            <a:chOff x="-395230" y="1644392"/>
+            <a:chExt cx="11588520" cy="3569215"/>
+          </a:xfrm>
+        </p:grpSpPr>
+        <p:pic>
+          <p:nvPicPr>
+            <p:cNvPr id="9" name="그림 8">
+              <a:extLst>
+                <a:ext uri="{FF2B5EF4-FFF2-40B4-BE49-F238E27FC236}">
+                  <a16:creationId xmlns:a16="http://schemas.microsoft.com/office/drawing/2014/main" id="{1AF5B4F0-A7FA-419A-BD97-A8EB5A909FD7}"/>
+                </a:ext>
+              </a:extLst>
+            </p:cNvPr>
+            <p:cNvPicPr>
+              <a:picLocks noChangeAspect="1"/>
+            </p:cNvPicPr>
+            <p:nvPr/>
+          </p:nvPicPr>
+          <p:blipFill>
+            <a:blip r:embed="rId2">
+              <a:extLst>
+                <a:ext uri="{28A0092B-C50C-407E-A947-70E740481C1C}">
+                  <a14:useLocalDpi xmlns:a14="http://schemas.microsoft.com/office/drawing/2010/main" val="0"/>
+                </a:ext>
+              </a:extLst>
+            </a:blip>
+            <a:stretch>
+              <a:fillRect/>
+            </a:stretch>
+          </p:blipFill>
+          <p:spPr>
+            <a:xfrm>
+              <a:off x="-395230" y="1644392"/>
+              <a:ext cx="5794260" cy="3569215"/>
+            </a:xfrm>
+            <a:prstGeom prst="rect">
+              <a:avLst/>
+            </a:prstGeom>
+          </p:spPr>
+        </p:pic>
+        <p:pic>
+          <p:nvPicPr>
+            <p:cNvPr id="11" name="그림 10">
+              <a:extLst>
+                <a:ext uri="{FF2B5EF4-FFF2-40B4-BE49-F238E27FC236}">
+                  <a16:creationId xmlns:a16="http://schemas.microsoft.com/office/drawing/2014/main" id="{CB6648D2-BC61-4A30-8EBB-52258A971CE2}"/>
+                </a:ext>
+              </a:extLst>
+            </p:cNvPr>
+            <p:cNvPicPr>
+              <a:picLocks noChangeAspect="1"/>
+            </p:cNvPicPr>
+            <p:nvPr/>
+          </p:nvPicPr>
+          <p:blipFill>
+            <a:blip r:embed="rId3">
+              <a:extLst>
+                <a:ext uri="{28A0092B-C50C-407E-A947-70E740481C1C}">
+                  <a14:useLocalDpi xmlns:a14="http://schemas.microsoft.com/office/drawing/2010/main" val="0"/>
+                </a:ext>
+              </a:extLst>
+            </a:blip>
+            <a:stretch>
+              <a:fillRect/>
+            </a:stretch>
+          </p:blipFill>
+          <p:spPr>
+            <a:xfrm>
+              <a:off x="5399030" y="1644392"/>
+              <a:ext cx="5794260" cy="3569215"/>
+            </a:xfrm>
+            <a:prstGeom prst="rect">
+              <a:avLst/>
+            </a:prstGeom>
+          </p:spPr>
+        </p:pic>
+      </p:grpSp>
+    </p:spTree>
+    <p:extLst>
+      <p:ext uri="{BB962C8B-B14F-4D97-AF65-F5344CB8AC3E}">
+        <p14:creationId xmlns:p14="http://schemas.microsoft.com/office/powerpoint/2010/main" val="3855307471"/>
+      </p:ext>
+    </p:extLst>
+  </p:cSld>
+  <p:clrMapOvr>
+    <a:masterClrMapping/>
+  </p:clrMapOvr>
+</p:sld>
+</file>
+
 <file path=ppt/theme/theme1.xml><?xml version="1.0" encoding="utf-8"?>
 <a:theme xmlns:a="http://schemas.openxmlformats.org/drawingml/2006/main" name="Default Theme">
   <a:themeElements>
